--- a/Assets/Etc/Textures.pptx
+++ b/Assets/Etc/Textures.pptx
@@ -6,6 +6,7 @@
   </p:sldMasterIdLst>
   <p:sldIdLst>
     <p:sldId id="256" r:id="rId2"/>
+    <p:sldId id="257" r:id="rId3"/>
   </p:sldIdLst>
   <p:sldSz cx="12192000" cy="6858000"/>
   <p:notesSz cx="6858000" cy="9144000"/>
@@ -104,6 +105,11 @@
       </a:defRPr>
     </a:lvl9pPr>
   </p:defaultTextStyle>
+  <p:extLst>
+    <p:ext uri="{EFAFB233-063F-42B5-8137-9DF3F51BA10A}">
+      <p15:sldGuideLst xmlns:p15="http://schemas.microsoft.com/office/powerpoint/2012/main"/>
+    </p:ext>
+  </p:extLst>
 </p:presentation>
 </file>
 
@@ -256,7 +262,7 @@
           <a:p>
             <a:fld id="{6524AA6A-33AF-41C8-84C7-4073CA180999}" type="datetimeFigureOut">
               <a:rPr lang="en-US" smtClean="0"/>
-              <a:t>7/13/2021</a:t>
+              <a:t>7/19/2021</a:t>
             </a:fld>
             <a:endParaRPr lang="en-US"/>
           </a:p>
@@ -456,7 +462,7 @@
           <a:p>
             <a:fld id="{6524AA6A-33AF-41C8-84C7-4073CA180999}" type="datetimeFigureOut">
               <a:rPr lang="en-US" smtClean="0"/>
-              <a:t>7/13/2021</a:t>
+              <a:t>7/19/2021</a:t>
             </a:fld>
             <a:endParaRPr lang="en-US"/>
           </a:p>
@@ -666,7 +672,7 @@
           <a:p>
             <a:fld id="{6524AA6A-33AF-41C8-84C7-4073CA180999}" type="datetimeFigureOut">
               <a:rPr lang="en-US" smtClean="0"/>
-              <a:t>7/13/2021</a:t>
+              <a:t>7/19/2021</a:t>
             </a:fld>
             <a:endParaRPr lang="en-US"/>
           </a:p>
@@ -866,7 +872,7 @@
           <a:p>
             <a:fld id="{6524AA6A-33AF-41C8-84C7-4073CA180999}" type="datetimeFigureOut">
               <a:rPr lang="en-US" smtClean="0"/>
-              <a:t>7/13/2021</a:t>
+              <a:t>7/19/2021</a:t>
             </a:fld>
             <a:endParaRPr lang="en-US"/>
           </a:p>
@@ -1142,7 +1148,7 @@
           <a:p>
             <a:fld id="{6524AA6A-33AF-41C8-84C7-4073CA180999}" type="datetimeFigureOut">
               <a:rPr lang="en-US" smtClean="0"/>
-              <a:t>7/13/2021</a:t>
+              <a:t>7/19/2021</a:t>
             </a:fld>
             <a:endParaRPr lang="en-US"/>
           </a:p>
@@ -1410,7 +1416,7 @@
           <a:p>
             <a:fld id="{6524AA6A-33AF-41C8-84C7-4073CA180999}" type="datetimeFigureOut">
               <a:rPr lang="en-US" smtClean="0"/>
-              <a:t>7/13/2021</a:t>
+              <a:t>7/19/2021</a:t>
             </a:fld>
             <a:endParaRPr lang="en-US"/>
           </a:p>
@@ -1825,7 +1831,7 @@
           <a:p>
             <a:fld id="{6524AA6A-33AF-41C8-84C7-4073CA180999}" type="datetimeFigureOut">
               <a:rPr lang="en-US" smtClean="0"/>
-              <a:t>7/13/2021</a:t>
+              <a:t>7/19/2021</a:t>
             </a:fld>
             <a:endParaRPr lang="en-US"/>
           </a:p>
@@ -1967,7 +1973,7 @@
           <a:p>
             <a:fld id="{6524AA6A-33AF-41C8-84C7-4073CA180999}" type="datetimeFigureOut">
               <a:rPr lang="en-US" smtClean="0"/>
-              <a:t>7/13/2021</a:t>
+              <a:t>7/19/2021</a:t>
             </a:fld>
             <a:endParaRPr lang="en-US"/>
           </a:p>
@@ -2080,7 +2086,7 @@
           <a:p>
             <a:fld id="{6524AA6A-33AF-41C8-84C7-4073CA180999}" type="datetimeFigureOut">
               <a:rPr lang="en-US" smtClean="0"/>
-              <a:t>7/13/2021</a:t>
+              <a:t>7/19/2021</a:t>
             </a:fld>
             <a:endParaRPr lang="en-US"/>
           </a:p>
@@ -2393,7 +2399,7 @@
           <a:p>
             <a:fld id="{6524AA6A-33AF-41C8-84C7-4073CA180999}" type="datetimeFigureOut">
               <a:rPr lang="en-US" smtClean="0"/>
-              <a:t>7/13/2021</a:t>
+              <a:t>7/19/2021</a:t>
             </a:fld>
             <a:endParaRPr lang="en-US"/>
           </a:p>
@@ -2682,7 +2688,7 @@
           <a:p>
             <a:fld id="{6524AA6A-33AF-41C8-84C7-4073CA180999}" type="datetimeFigureOut">
               <a:rPr lang="en-US" smtClean="0"/>
-              <a:t>7/13/2021</a:t>
+              <a:t>7/19/2021</a:t>
             </a:fld>
             <a:endParaRPr lang="en-US"/>
           </a:p>
@@ -2925,7 +2931,7 @@
           <a:p>
             <a:fld id="{6524AA6A-33AF-41C8-84C7-4073CA180999}" type="datetimeFigureOut">
               <a:rPr lang="en-US" smtClean="0"/>
-              <a:t>7/13/2021</a:t>
+              <a:t>7/19/2021</a:t>
             </a:fld>
             <a:endParaRPr lang="en-US"/>
           </a:p>
@@ -3512,6 +3518,72 @@
 </p:sld>
 </file>
 
+<file path=ppt/slides/slide2.xml><?xml version="1.0" encoding="utf-8"?>
+<p:sld xmlns:a="http://schemas.openxmlformats.org/drawingml/2006/main" xmlns:r="http://schemas.openxmlformats.org/officeDocument/2006/relationships" xmlns:p="http://schemas.openxmlformats.org/presentationml/2006/main">
+  <p:cSld>
+    <p:spTree>
+      <p:nvGrpSpPr>
+        <p:cNvPr id="1" name=""/>
+        <p:cNvGrpSpPr/>
+        <p:nvPr/>
+      </p:nvGrpSpPr>
+      <p:grpSpPr>
+        <a:xfrm>
+          <a:off x="0" y="0"/>
+          <a:ext cx="0" cy="0"/>
+          <a:chOff x="0" y="0"/>
+          <a:chExt cx="0" cy="0"/>
+        </a:xfrm>
+      </p:grpSpPr>
+      <p:pic>
+        <p:nvPicPr>
+          <p:cNvPr id="6" name="תמונה 5">
+            <a:extLst>
+              <a:ext uri="{FF2B5EF4-FFF2-40B4-BE49-F238E27FC236}">
+                <a16:creationId xmlns:a16="http://schemas.microsoft.com/office/drawing/2014/main" id="{D3C4E30A-AE06-4603-9870-EED019290411}"/>
+              </a:ext>
+            </a:extLst>
+          </p:cNvPr>
+          <p:cNvPicPr>
+            <a:picLocks noChangeAspect="1"/>
+          </p:cNvPicPr>
+          <p:nvPr/>
+        </p:nvPicPr>
+        <p:blipFill>
+          <a:blip r:embed="rId2">
+            <a:extLst>
+              <a:ext uri="{28A0092B-C50C-407E-A947-70E740481C1C}">
+                <a14:useLocalDpi xmlns:a14="http://schemas.microsoft.com/office/drawing/2010/main" val="0"/>
+              </a:ext>
+            </a:extLst>
+          </a:blip>
+          <a:stretch>
+            <a:fillRect/>
+          </a:stretch>
+        </p:blipFill>
+        <p:spPr>
+          <a:xfrm>
+            <a:off x="0" y="0"/>
+            <a:ext cx="12192000" cy="6857999"/>
+          </a:xfrm>
+          <a:prstGeom prst="rect">
+            <a:avLst/>
+          </a:prstGeom>
+        </p:spPr>
+      </p:pic>
+    </p:spTree>
+    <p:extLst>
+      <p:ext uri="{BB962C8B-B14F-4D97-AF65-F5344CB8AC3E}">
+        <p14:creationId xmlns:p14="http://schemas.microsoft.com/office/powerpoint/2010/main" val="1048812043"/>
+      </p:ext>
+    </p:extLst>
+  </p:cSld>
+  <p:clrMapOvr>
+    <a:masterClrMapping/>
+  </p:clrMapOvr>
+</p:sld>
+</file>
+
 <file path=ppt/theme/theme1.xml><?xml version="1.0" encoding="utf-8"?>
 <a:theme xmlns:a="http://schemas.openxmlformats.org/drawingml/2006/main" name="ערכת נושא Office">
   <a:themeElements>

--- a/Assets/Etc/Textures.pptx
+++ b/Assets/Etc/Textures.pptx
@@ -262,7 +262,7 @@
           <a:p>
             <a:fld id="{6524AA6A-33AF-41C8-84C7-4073CA180999}" type="datetimeFigureOut">
               <a:rPr lang="en-US" smtClean="0"/>
-              <a:t>7/19/2021</a:t>
+              <a:t>7/21/2021</a:t>
             </a:fld>
             <a:endParaRPr lang="en-US"/>
           </a:p>
@@ -462,7 +462,7 @@
           <a:p>
             <a:fld id="{6524AA6A-33AF-41C8-84C7-4073CA180999}" type="datetimeFigureOut">
               <a:rPr lang="en-US" smtClean="0"/>
-              <a:t>7/19/2021</a:t>
+              <a:t>7/21/2021</a:t>
             </a:fld>
             <a:endParaRPr lang="en-US"/>
           </a:p>
@@ -672,7 +672,7 @@
           <a:p>
             <a:fld id="{6524AA6A-33AF-41C8-84C7-4073CA180999}" type="datetimeFigureOut">
               <a:rPr lang="en-US" smtClean="0"/>
-              <a:t>7/19/2021</a:t>
+              <a:t>7/21/2021</a:t>
             </a:fld>
             <a:endParaRPr lang="en-US"/>
           </a:p>
@@ -872,7 +872,7 @@
           <a:p>
             <a:fld id="{6524AA6A-33AF-41C8-84C7-4073CA180999}" type="datetimeFigureOut">
               <a:rPr lang="en-US" smtClean="0"/>
-              <a:t>7/19/2021</a:t>
+              <a:t>7/21/2021</a:t>
             </a:fld>
             <a:endParaRPr lang="en-US"/>
           </a:p>
@@ -1148,7 +1148,7 @@
           <a:p>
             <a:fld id="{6524AA6A-33AF-41C8-84C7-4073CA180999}" type="datetimeFigureOut">
               <a:rPr lang="en-US" smtClean="0"/>
-              <a:t>7/19/2021</a:t>
+              <a:t>7/21/2021</a:t>
             </a:fld>
             <a:endParaRPr lang="en-US"/>
           </a:p>
@@ -1416,7 +1416,7 @@
           <a:p>
             <a:fld id="{6524AA6A-33AF-41C8-84C7-4073CA180999}" type="datetimeFigureOut">
               <a:rPr lang="en-US" smtClean="0"/>
-              <a:t>7/19/2021</a:t>
+              <a:t>7/21/2021</a:t>
             </a:fld>
             <a:endParaRPr lang="en-US"/>
           </a:p>
@@ -1831,7 +1831,7 @@
           <a:p>
             <a:fld id="{6524AA6A-33AF-41C8-84C7-4073CA180999}" type="datetimeFigureOut">
               <a:rPr lang="en-US" smtClean="0"/>
-              <a:t>7/19/2021</a:t>
+              <a:t>7/21/2021</a:t>
             </a:fld>
             <a:endParaRPr lang="en-US"/>
           </a:p>
@@ -1973,7 +1973,7 @@
           <a:p>
             <a:fld id="{6524AA6A-33AF-41C8-84C7-4073CA180999}" type="datetimeFigureOut">
               <a:rPr lang="en-US" smtClean="0"/>
-              <a:t>7/19/2021</a:t>
+              <a:t>7/21/2021</a:t>
             </a:fld>
             <a:endParaRPr lang="en-US"/>
           </a:p>
@@ -2086,7 +2086,7 @@
           <a:p>
             <a:fld id="{6524AA6A-33AF-41C8-84C7-4073CA180999}" type="datetimeFigureOut">
               <a:rPr lang="en-US" smtClean="0"/>
-              <a:t>7/19/2021</a:t>
+              <a:t>7/21/2021</a:t>
             </a:fld>
             <a:endParaRPr lang="en-US"/>
           </a:p>
@@ -2399,7 +2399,7 @@
           <a:p>
             <a:fld id="{6524AA6A-33AF-41C8-84C7-4073CA180999}" type="datetimeFigureOut">
               <a:rPr lang="en-US" smtClean="0"/>
-              <a:t>7/19/2021</a:t>
+              <a:t>7/21/2021</a:t>
             </a:fld>
             <a:endParaRPr lang="en-US"/>
           </a:p>
@@ -2688,7 +2688,7 @@
           <a:p>
             <a:fld id="{6524AA6A-33AF-41C8-84C7-4073CA180999}" type="datetimeFigureOut">
               <a:rPr lang="en-US" smtClean="0"/>
-              <a:t>7/19/2021</a:t>
+              <a:t>7/21/2021</a:t>
             </a:fld>
             <a:endParaRPr lang="en-US"/>
           </a:p>
@@ -2931,7 +2931,7 @@
           <a:p>
             <a:fld id="{6524AA6A-33AF-41C8-84C7-4073CA180999}" type="datetimeFigureOut">
               <a:rPr lang="en-US" smtClean="0"/>
-              <a:t>7/19/2021</a:t>
+              <a:t>7/21/2021</a:t>
             </a:fld>
             <a:endParaRPr lang="en-US"/>
           </a:p>

--- a/Assets/Etc/Textures.pptx
+++ b/Assets/Etc/Textures.pptx
@@ -262,7 +262,7 @@
           <a:p>
             <a:fld id="{6524AA6A-33AF-41C8-84C7-4073CA180999}" type="datetimeFigureOut">
               <a:rPr lang="en-US" smtClean="0"/>
-              <a:t>7/21/2021</a:t>
+              <a:t>8/5/2021</a:t>
             </a:fld>
             <a:endParaRPr lang="en-US"/>
           </a:p>
@@ -462,7 +462,7 @@
           <a:p>
             <a:fld id="{6524AA6A-33AF-41C8-84C7-4073CA180999}" type="datetimeFigureOut">
               <a:rPr lang="en-US" smtClean="0"/>
-              <a:t>7/21/2021</a:t>
+              <a:t>8/5/2021</a:t>
             </a:fld>
             <a:endParaRPr lang="en-US"/>
           </a:p>
@@ -672,7 +672,7 @@
           <a:p>
             <a:fld id="{6524AA6A-33AF-41C8-84C7-4073CA180999}" type="datetimeFigureOut">
               <a:rPr lang="en-US" smtClean="0"/>
-              <a:t>7/21/2021</a:t>
+              <a:t>8/5/2021</a:t>
             </a:fld>
             <a:endParaRPr lang="en-US"/>
           </a:p>
@@ -872,7 +872,7 @@
           <a:p>
             <a:fld id="{6524AA6A-33AF-41C8-84C7-4073CA180999}" type="datetimeFigureOut">
               <a:rPr lang="en-US" smtClean="0"/>
-              <a:t>7/21/2021</a:t>
+              <a:t>8/5/2021</a:t>
             </a:fld>
             <a:endParaRPr lang="en-US"/>
           </a:p>
@@ -1148,7 +1148,7 @@
           <a:p>
             <a:fld id="{6524AA6A-33AF-41C8-84C7-4073CA180999}" type="datetimeFigureOut">
               <a:rPr lang="en-US" smtClean="0"/>
-              <a:t>7/21/2021</a:t>
+              <a:t>8/5/2021</a:t>
             </a:fld>
             <a:endParaRPr lang="en-US"/>
           </a:p>
@@ -1416,7 +1416,7 @@
           <a:p>
             <a:fld id="{6524AA6A-33AF-41C8-84C7-4073CA180999}" type="datetimeFigureOut">
               <a:rPr lang="en-US" smtClean="0"/>
-              <a:t>7/21/2021</a:t>
+              <a:t>8/5/2021</a:t>
             </a:fld>
             <a:endParaRPr lang="en-US"/>
           </a:p>
@@ -1831,7 +1831,7 @@
           <a:p>
             <a:fld id="{6524AA6A-33AF-41C8-84C7-4073CA180999}" type="datetimeFigureOut">
               <a:rPr lang="en-US" smtClean="0"/>
-              <a:t>7/21/2021</a:t>
+              <a:t>8/5/2021</a:t>
             </a:fld>
             <a:endParaRPr lang="en-US"/>
           </a:p>
@@ -1973,7 +1973,7 @@
           <a:p>
             <a:fld id="{6524AA6A-33AF-41C8-84C7-4073CA180999}" type="datetimeFigureOut">
               <a:rPr lang="en-US" smtClean="0"/>
-              <a:t>7/21/2021</a:t>
+              <a:t>8/5/2021</a:t>
             </a:fld>
             <a:endParaRPr lang="en-US"/>
           </a:p>
@@ -2086,7 +2086,7 @@
           <a:p>
             <a:fld id="{6524AA6A-33AF-41C8-84C7-4073CA180999}" type="datetimeFigureOut">
               <a:rPr lang="en-US" smtClean="0"/>
-              <a:t>7/21/2021</a:t>
+              <a:t>8/5/2021</a:t>
             </a:fld>
             <a:endParaRPr lang="en-US"/>
           </a:p>
@@ -2399,7 +2399,7 @@
           <a:p>
             <a:fld id="{6524AA6A-33AF-41C8-84C7-4073CA180999}" type="datetimeFigureOut">
               <a:rPr lang="en-US" smtClean="0"/>
-              <a:t>7/21/2021</a:t>
+              <a:t>8/5/2021</a:t>
             </a:fld>
             <a:endParaRPr lang="en-US"/>
           </a:p>
@@ -2688,7 +2688,7 @@
           <a:p>
             <a:fld id="{6524AA6A-33AF-41C8-84C7-4073CA180999}" type="datetimeFigureOut">
               <a:rPr lang="en-US" smtClean="0"/>
-              <a:t>7/21/2021</a:t>
+              <a:t>8/5/2021</a:t>
             </a:fld>
             <a:endParaRPr lang="en-US"/>
           </a:p>
@@ -2931,7 +2931,7 @@
           <a:p>
             <a:fld id="{6524AA6A-33AF-41C8-84C7-4073CA180999}" type="datetimeFigureOut">
               <a:rPr lang="en-US" smtClean="0"/>
-              <a:t>7/21/2021</a:t>
+              <a:t>8/5/2021</a:t>
             </a:fld>
             <a:endParaRPr lang="en-US"/>
           </a:p>

--- a/Assets/Etc/Textures.pptx
+++ b/Assets/Etc/Textures.pptx
@@ -7,6 +7,7 @@
   <p:sldIdLst>
     <p:sldId id="256" r:id="rId2"/>
     <p:sldId id="257" r:id="rId3"/>
+    <p:sldId id="258" r:id="rId4"/>
   </p:sldIdLst>
   <p:sldSz cx="12192000" cy="6858000"/>
   <p:notesSz cx="6858000" cy="9144000"/>
@@ -262,7 +263,7 @@
           <a:p>
             <a:fld id="{6524AA6A-33AF-41C8-84C7-4073CA180999}" type="datetimeFigureOut">
               <a:rPr lang="en-US" smtClean="0"/>
-              <a:t>8/5/2021</a:t>
+              <a:t>9/8/2021</a:t>
             </a:fld>
             <a:endParaRPr lang="en-US"/>
           </a:p>
@@ -462,7 +463,7 @@
           <a:p>
             <a:fld id="{6524AA6A-33AF-41C8-84C7-4073CA180999}" type="datetimeFigureOut">
               <a:rPr lang="en-US" smtClean="0"/>
-              <a:t>8/5/2021</a:t>
+              <a:t>9/8/2021</a:t>
             </a:fld>
             <a:endParaRPr lang="en-US"/>
           </a:p>
@@ -672,7 +673,7 @@
           <a:p>
             <a:fld id="{6524AA6A-33AF-41C8-84C7-4073CA180999}" type="datetimeFigureOut">
               <a:rPr lang="en-US" smtClean="0"/>
-              <a:t>8/5/2021</a:t>
+              <a:t>9/8/2021</a:t>
             </a:fld>
             <a:endParaRPr lang="en-US"/>
           </a:p>
@@ -872,7 +873,7 @@
           <a:p>
             <a:fld id="{6524AA6A-33AF-41C8-84C7-4073CA180999}" type="datetimeFigureOut">
               <a:rPr lang="en-US" smtClean="0"/>
-              <a:t>8/5/2021</a:t>
+              <a:t>9/8/2021</a:t>
             </a:fld>
             <a:endParaRPr lang="en-US"/>
           </a:p>
@@ -1148,7 +1149,7 @@
           <a:p>
             <a:fld id="{6524AA6A-33AF-41C8-84C7-4073CA180999}" type="datetimeFigureOut">
               <a:rPr lang="en-US" smtClean="0"/>
-              <a:t>8/5/2021</a:t>
+              <a:t>9/8/2021</a:t>
             </a:fld>
             <a:endParaRPr lang="en-US"/>
           </a:p>
@@ -1416,7 +1417,7 @@
           <a:p>
             <a:fld id="{6524AA6A-33AF-41C8-84C7-4073CA180999}" type="datetimeFigureOut">
               <a:rPr lang="en-US" smtClean="0"/>
-              <a:t>8/5/2021</a:t>
+              <a:t>9/8/2021</a:t>
             </a:fld>
             <a:endParaRPr lang="en-US"/>
           </a:p>
@@ -1831,7 +1832,7 @@
           <a:p>
             <a:fld id="{6524AA6A-33AF-41C8-84C7-4073CA180999}" type="datetimeFigureOut">
               <a:rPr lang="en-US" smtClean="0"/>
-              <a:t>8/5/2021</a:t>
+              <a:t>9/8/2021</a:t>
             </a:fld>
             <a:endParaRPr lang="en-US"/>
           </a:p>
@@ -1973,7 +1974,7 @@
           <a:p>
             <a:fld id="{6524AA6A-33AF-41C8-84C7-4073CA180999}" type="datetimeFigureOut">
               <a:rPr lang="en-US" smtClean="0"/>
-              <a:t>8/5/2021</a:t>
+              <a:t>9/8/2021</a:t>
             </a:fld>
             <a:endParaRPr lang="en-US"/>
           </a:p>
@@ -2086,7 +2087,7 @@
           <a:p>
             <a:fld id="{6524AA6A-33AF-41C8-84C7-4073CA180999}" type="datetimeFigureOut">
               <a:rPr lang="en-US" smtClean="0"/>
-              <a:t>8/5/2021</a:t>
+              <a:t>9/8/2021</a:t>
             </a:fld>
             <a:endParaRPr lang="en-US"/>
           </a:p>
@@ -2399,7 +2400,7 @@
           <a:p>
             <a:fld id="{6524AA6A-33AF-41C8-84C7-4073CA180999}" type="datetimeFigureOut">
               <a:rPr lang="en-US" smtClean="0"/>
-              <a:t>8/5/2021</a:t>
+              <a:t>9/8/2021</a:t>
             </a:fld>
             <a:endParaRPr lang="en-US"/>
           </a:p>
@@ -2688,7 +2689,7 @@
           <a:p>
             <a:fld id="{6524AA6A-33AF-41C8-84C7-4073CA180999}" type="datetimeFigureOut">
               <a:rPr lang="en-US" smtClean="0"/>
-              <a:t>8/5/2021</a:t>
+              <a:t>9/8/2021</a:t>
             </a:fld>
             <a:endParaRPr lang="en-US"/>
           </a:p>
@@ -2931,7 +2932,7 @@
           <a:p>
             <a:fld id="{6524AA6A-33AF-41C8-84C7-4073CA180999}" type="datetimeFigureOut">
               <a:rPr lang="en-US" smtClean="0"/>
-              <a:t>8/5/2021</a:t>
+              <a:t>9/8/2021</a:t>
             </a:fld>
             <a:endParaRPr lang="en-US"/>
           </a:p>
@@ -3584,6 +3585,369 @@
 </p:sld>
 </file>
 
+<file path=ppt/slides/slide3.xml><?xml version="1.0" encoding="utf-8"?>
+<p:sld xmlns:a="http://schemas.openxmlformats.org/drawingml/2006/main" xmlns:r="http://schemas.openxmlformats.org/officeDocument/2006/relationships" xmlns:p="http://schemas.openxmlformats.org/presentationml/2006/main">
+  <p:cSld>
+    <p:bg>
+      <p:bgPr>
+        <a:solidFill>
+          <a:schemeClr val="accent3">
+            <a:lumMod val="50000"/>
+          </a:schemeClr>
+        </a:solidFill>
+        <a:effectLst/>
+      </p:bgPr>
+    </p:bg>
+    <p:spTree>
+      <p:nvGrpSpPr>
+        <p:cNvPr id="1" name=""/>
+        <p:cNvGrpSpPr/>
+        <p:nvPr/>
+      </p:nvGrpSpPr>
+      <p:grpSpPr>
+        <a:xfrm>
+          <a:off x="0" y="0"/>
+          <a:ext cx="0" cy="0"/>
+          <a:chOff x="0" y="0"/>
+          <a:chExt cx="0" cy="0"/>
+        </a:xfrm>
+      </p:grpSpPr>
+      <p:sp>
+        <p:nvSpPr>
+          <p:cNvPr id="12" name="מלבן: פינות מעוגלות 11">
+            <a:extLst>
+              <a:ext uri="{FF2B5EF4-FFF2-40B4-BE49-F238E27FC236}">
+                <a16:creationId xmlns:a16="http://schemas.microsoft.com/office/drawing/2014/main" id="{7C013DB2-1321-4ABB-8F91-052D1BE2031E}"/>
+              </a:ext>
+            </a:extLst>
+          </p:cNvPr>
+          <p:cNvSpPr/>
+          <p:nvPr/>
+        </p:nvSpPr>
+        <p:spPr>
+          <a:xfrm>
+            <a:off x="5656042" y="884180"/>
+            <a:ext cx="708025" cy="847725"/>
+          </a:xfrm>
+          <a:prstGeom prst="roundRect">
+            <a:avLst/>
+          </a:prstGeom>
+          <a:solidFill>
+            <a:schemeClr val="bg1"/>
+          </a:solidFill>
+          <a:ln>
+            <a:noFill/>
+          </a:ln>
+        </p:spPr>
+        <p:style>
+          <a:lnRef idx="2">
+            <a:schemeClr val="accent1">
+              <a:shade val="50000"/>
+            </a:schemeClr>
+          </a:lnRef>
+          <a:fillRef idx="1">
+            <a:schemeClr val="accent1"/>
+          </a:fillRef>
+          <a:effectRef idx="0">
+            <a:schemeClr val="accent1"/>
+          </a:effectRef>
+          <a:fontRef idx="minor">
+            <a:schemeClr val="lt1"/>
+          </a:fontRef>
+        </p:style>
+        <p:txBody>
+          <a:bodyPr rtlCol="0" anchor="ctr"/>
+          <a:lstStyle/>
+          <a:p>
+            <a:pPr algn="ctr"/>
+            <a:endParaRPr lang="en-US"/>
+          </a:p>
+        </p:txBody>
+      </p:sp>
+      <p:sp>
+        <p:nvSpPr>
+          <p:cNvPr id="4" name="משולש שווה-שוקיים 3">
+            <a:extLst>
+              <a:ext uri="{FF2B5EF4-FFF2-40B4-BE49-F238E27FC236}">
+                <a16:creationId xmlns:a16="http://schemas.microsoft.com/office/drawing/2014/main" id="{28736946-43E2-4D28-8F00-5F77FB7D2CF1}"/>
+              </a:ext>
+            </a:extLst>
+          </p:cNvPr>
+          <p:cNvSpPr/>
+          <p:nvPr/>
+        </p:nvSpPr>
+        <p:spPr>
+          <a:xfrm rot="10800000">
+            <a:off x="6824749" y="1496291"/>
+            <a:ext cx="332509" cy="681644"/>
+          </a:xfrm>
+          <a:prstGeom prst="triangle">
+            <a:avLst/>
+          </a:prstGeom>
+        </p:spPr>
+        <p:style>
+          <a:lnRef idx="2">
+            <a:schemeClr val="accent1">
+              <a:shade val="50000"/>
+            </a:schemeClr>
+          </a:lnRef>
+          <a:fillRef idx="1">
+            <a:schemeClr val="accent1"/>
+          </a:fillRef>
+          <a:effectRef idx="0">
+            <a:schemeClr val="accent1"/>
+          </a:effectRef>
+          <a:fontRef idx="minor">
+            <a:schemeClr val="lt1"/>
+          </a:fontRef>
+        </p:style>
+        <p:txBody>
+          <a:bodyPr rtlCol="0" anchor="ctr"/>
+          <a:lstStyle/>
+          <a:p>
+            <a:pPr algn="ctr"/>
+            <a:endParaRPr lang="en-US"/>
+          </a:p>
+        </p:txBody>
+      </p:sp>
+      <p:grpSp>
+        <p:nvGrpSpPr>
+          <p:cNvPr id="7" name="קבוצה 6">
+            <a:extLst>
+              <a:ext uri="{FF2B5EF4-FFF2-40B4-BE49-F238E27FC236}">
+                <a16:creationId xmlns:a16="http://schemas.microsoft.com/office/drawing/2014/main" id="{D35E57DC-01E5-4E15-97F6-5AA28E6F0A3F}"/>
+              </a:ext>
+            </a:extLst>
+          </p:cNvPr>
+          <p:cNvGrpSpPr/>
+          <p:nvPr/>
+        </p:nvGrpSpPr>
+        <p:grpSpPr>
+          <a:xfrm>
+            <a:off x="5815123" y="956185"/>
+            <a:ext cx="370818" cy="735860"/>
+            <a:chOff x="7856648" y="1375285"/>
+            <a:chExt cx="370818" cy="735860"/>
+          </a:xfrm>
+        </p:grpSpPr>
+        <p:sp>
+          <p:nvSpPr>
+            <p:cNvPr id="5" name="דמעה 4">
+              <a:extLst>
+                <a:ext uri="{FF2B5EF4-FFF2-40B4-BE49-F238E27FC236}">
+                  <a16:creationId xmlns:a16="http://schemas.microsoft.com/office/drawing/2014/main" id="{EF9F8956-9FE1-4762-9AD9-CF809D695F47}"/>
+                </a:ext>
+              </a:extLst>
+            </p:cNvPr>
+            <p:cNvSpPr/>
+            <p:nvPr/>
+          </p:nvSpPr>
+          <p:spPr>
+            <a:xfrm rot="8019026">
+              <a:off x="7856585" y="1375348"/>
+              <a:ext cx="370943" cy="370818"/>
+            </a:xfrm>
+            <a:prstGeom prst="teardrop">
+              <a:avLst>
+                <a:gd name="adj" fmla="val 158874"/>
+              </a:avLst>
+            </a:prstGeom>
+            <a:solidFill>
+              <a:srgbClr val="FF0000"/>
+            </a:solidFill>
+            <a:ln>
+              <a:noFill/>
+            </a:ln>
+          </p:spPr>
+          <p:style>
+            <a:lnRef idx="2">
+              <a:schemeClr val="accent6">
+                <a:shade val="50000"/>
+              </a:schemeClr>
+            </a:lnRef>
+            <a:fillRef idx="1">
+              <a:schemeClr val="accent6"/>
+            </a:fillRef>
+            <a:effectRef idx="0">
+              <a:schemeClr val="accent6"/>
+            </a:effectRef>
+            <a:fontRef idx="minor">
+              <a:schemeClr val="lt1"/>
+            </a:fontRef>
+          </p:style>
+          <p:txBody>
+            <a:bodyPr rtlCol="0" anchor="ctr"/>
+            <a:lstStyle/>
+            <a:p>
+              <a:pPr algn="ctr"/>
+              <a:endParaRPr lang="en-US"/>
+            </a:p>
+          </p:txBody>
+        </p:sp>
+        <p:sp>
+          <p:nvSpPr>
+            <p:cNvPr id="6" name="אליפסה 5">
+              <a:extLst>
+                <a:ext uri="{FF2B5EF4-FFF2-40B4-BE49-F238E27FC236}">
+                  <a16:creationId xmlns:a16="http://schemas.microsoft.com/office/drawing/2014/main" id="{BE8A2D14-F5DE-4A89-B314-55A848AA74A5}"/>
+                </a:ext>
+              </a:extLst>
+            </p:cNvPr>
+            <p:cNvSpPr/>
+            <p:nvPr/>
+          </p:nvSpPr>
+          <p:spPr>
+            <a:xfrm>
+              <a:off x="7986493" y="1980970"/>
+              <a:ext cx="130175" cy="130175"/>
+            </a:xfrm>
+            <a:prstGeom prst="ellipse">
+              <a:avLst/>
+            </a:prstGeom>
+            <a:solidFill>
+              <a:srgbClr val="FF0000"/>
+            </a:solidFill>
+            <a:ln>
+              <a:noFill/>
+            </a:ln>
+          </p:spPr>
+          <p:style>
+            <a:lnRef idx="2">
+              <a:schemeClr val="accent1">
+                <a:shade val="50000"/>
+              </a:schemeClr>
+            </a:lnRef>
+            <a:fillRef idx="1">
+              <a:schemeClr val="accent1"/>
+            </a:fillRef>
+            <a:effectRef idx="0">
+              <a:schemeClr val="accent1"/>
+            </a:effectRef>
+            <a:fontRef idx="minor">
+              <a:schemeClr val="lt1"/>
+            </a:fontRef>
+          </p:style>
+          <p:txBody>
+            <a:bodyPr rtlCol="0" anchor="ctr"/>
+            <a:lstStyle/>
+            <a:p>
+              <a:pPr algn="ctr"/>
+              <a:endParaRPr lang="en-US"/>
+            </a:p>
+          </p:txBody>
+        </p:sp>
+      </p:grpSp>
+      <p:sp>
+        <p:nvSpPr>
+          <p:cNvPr id="11" name="בועת דיבור: מלבן עם פינות מעוגלות 10">
+            <a:extLst>
+              <a:ext uri="{FF2B5EF4-FFF2-40B4-BE49-F238E27FC236}">
+                <a16:creationId xmlns:a16="http://schemas.microsoft.com/office/drawing/2014/main" id="{2ABE97CA-5D55-4C66-8C15-D90AEE9408BB}"/>
+              </a:ext>
+            </a:extLst>
+          </p:cNvPr>
+          <p:cNvSpPr/>
+          <p:nvPr/>
+        </p:nvSpPr>
+        <p:spPr>
+          <a:xfrm>
+            <a:off x="7915275" y="1285875"/>
+            <a:ext cx="1257300" cy="892060"/>
+          </a:xfrm>
+          <a:prstGeom prst="wedgeRoundRectCallout">
+            <a:avLst/>
+          </a:prstGeom>
+        </p:spPr>
+        <p:style>
+          <a:lnRef idx="2">
+            <a:schemeClr val="accent1">
+              <a:shade val="50000"/>
+            </a:schemeClr>
+          </a:lnRef>
+          <a:fillRef idx="1">
+            <a:schemeClr val="accent1"/>
+          </a:fillRef>
+          <a:effectRef idx="0">
+            <a:schemeClr val="accent1"/>
+          </a:effectRef>
+          <a:fontRef idx="minor">
+            <a:schemeClr val="lt1"/>
+          </a:fontRef>
+        </p:style>
+        <p:txBody>
+          <a:bodyPr rtlCol="0" anchor="ctr"/>
+          <a:lstStyle/>
+          <a:p>
+            <a:pPr algn="ctr"/>
+            <a:endParaRPr lang="en-US"/>
+          </a:p>
+        </p:txBody>
+      </p:sp>
+      <p:sp>
+        <p:nvSpPr>
+          <p:cNvPr id="13" name="משולש שווה-שוקיים 12">
+            <a:extLst>
+              <a:ext uri="{FF2B5EF4-FFF2-40B4-BE49-F238E27FC236}">
+                <a16:creationId xmlns:a16="http://schemas.microsoft.com/office/drawing/2014/main" id="{8249676D-2287-457B-94B5-522C4DA2F9D1}"/>
+              </a:ext>
+            </a:extLst>
+          </p:cNvPr>
+          <p:cNvSpPr/>
+          <p:nvPr/>
+        </p:nvSpPr>
+        <p:spPr>
+          <a:xfrm rot="10800000">
+            <a:off x="5934538" y="1731789"/>
+            <a:ext cx="151032" cy="152400"/>
+          </a:xfrm>
+          <a:prstGeom prst="triangle">
+            <a:avLst/>
+          </a:prstGeom>
+          <a:solidFill>
+            <a:schemeClr val="bg1"/>
+          </a:solidFill>
+          <a:ln>
+            <a:noFill/>
+          </a:ln>
+        </p:spPr>
+        <p:style>
+          <a:lnRef idx="2">
+            <a:schemeClr val="accent1">
+              <a:shade val="50000"/>
+            </a:schemeClr>
+          </a:lnRef>
+          <a:fillRef idx="1">
+            <a:schemeClr val="accent1"/>
+          </a:fillRef>
+          <a:effectRef idx="0">
+            <a:schemeClr val="accent1"/>
+          </a:effectRef>
+          <a:fontRef idx="minor">
+            <a:schemeClr val="lt1"/>
+          </a:fontRef>
+        </p:style>
+        <p:txBody>
+          <a:bodyPr rtlCol="0" anchor="ctr"/>
+          <a:lstStyle/>
+          <a:p>
+            <a:pPr algn="ctr"/>
+            <a:endParaRPr lang="en-US"/>
+          </a:p>
+        </p:txBody>
+      </p:sp>
+    </p:spTree>
+    <p:extLst>
+      <p:ext uri="{BB962C8B-B14F-4D97-AF65-F5344CB8AC3E}">
+        <p14:creationId xmlns:p14="http://schemas.microsoft.com/office/powerpoint/2010/main" val="3649742"/>
+      </p:ext>
+    </p:extLst>
+  </p:cSld>
+  <p:clrMapOvr>
+    <a:masterClrMapping/>
+  </p:clrMapOvr>
+</p:sld>
+</file>
+
 <file path=ppt/theme/theme1.xml><?xml version="1.0" encoding="utf-8"?>
 <a:theme xmlns:a="http://schemas.openxmlformats.org/drawingml/2006/main" name="ערכת נושא Office">
   <a:themeElements>

--- a/Assets/Etc/Textures.pptx
+++ b/Assets/Etc/Textures.pptx
@@ -3626,7 +3626,7 @@
         </p:nvSpPr>
         <p:spPr>
           <a:xfrm>
-            <a:off x="5656042" y="884180"/>
+            <a:off x="8091332" y="3953900"/>
             <a:ext cx="708025" cy="847725"/>
           </a:xfrm>
           <a:prstGeom prst="roundRect">
@@ -3635,9 +3635,18 @@
           <a:solidFill>
             <a:schemeClr val="bg1"/>
           </a:solidFill>
-          <a:ln>
-            <a:noFill/>
+          <a:ln w="6350">
+            <a:solidFill>
+              <a:schemeClr val="tx1"/>
+            </a:solidFill>
           </a:ln>
+          <a:effectLst>
+            <a:outerShdw blurRad="50800" dist="38100" dir="5400000" algn="t" rotWithShape="0">
+              <a:prstClr val="black">
+                <a:alpha val="40000"/>
+              </a:prstClr>
+            </a:outerShdw>
+          </a:effectLst>
         </p:spPr>
         <p:style>
           <a:lnRef idx="2">
@@ -3724,11 +3733,18 @@
         </p:nvGrpSpPr>
         <p:grpSpPr>
           <a:xfrm>
-            <a:off x="5815123" y="956185"/>
+            <a:off x="8250413" y="4025905"/>
             <a:ext cx="370818" cy="735860"/>
             <a:chOff x="7856648" y="1375285"/>
             <a:chExt cx="370818" cy="735860"/>
           </a:xfrm>
+          <a:effectLst>
+            <a:outerShdw blurRad="50800" dist="38100" dir="5400000" algn="t" rotWithShape="0">
+              <a:prstClr val="black">
+                <a:alpha val="40000"/>
+              </a:prstClr>
+            </a:outerShdw>
+          </a:effectLst>
         </p:grpSpPr>
         <p:sp>
           <p:nvSpPr>
@@ -3897,7 +3913,7 @@
         </p:nvSpPr>
         <p:spPr>
           <a:xfrm rot="10800000">
-            <a:off x="5934538" y="1731789"/>
+            <a:off x="8369828" y="4801509"/>
             <a:ext cx="151032" cy="152400"/>
           </a:xfrm>
           <a:prstGeom prst="triangle">
@@ -3906,9 +3922,18 @@
           <a:solidFill>
             <a:schemeClr val="bg1"/>
           </a:solidFill>
-          <a:ln>
-            <a:noFill/>
+          <a:ln w="6350">
+            <a:solidFill>
+              <a:schemeClr val="tx1"/>
+            </a:solidFill>
           </a:ln>
+          <a:effectLst>
+            <a:outerShdw blurRad="50800" dist="38100" dir="5400000" algn="t" rotWithShape="0">
+              <a:prstClr val="black">
+                <a:alpha val="40000"/>
+              </a:prstClr>
+            </a:outerShdw>
+          </a:effectLst>
         </p:spPr>
         <p:style>
           <a:lnRef idx="2">
@@ -3935,6 +3960,498 @@
           </a:p>
         </p:txBody>
       </p:sp>
+      <p:sp>
+        <p:nvSpPr>
+          <p:cNvPr id="3" name="מלבן: פינות מעוגלות 2">
+            <a:extLst>
+              <a:ext uri="{FF2B5EF4-FFF2-40B4-BE49-F238E27FC236}">
+                <a16:creationId xmlns:a16="http://schemas.microsoft.com/office/drawing/2014/main" id="{FAF63F22-61DE-4429-B8AC-F5CB8664C639}"/>
+              </a:ext>
+            </a:extLst>
+          </p:cNvPr>
+          <p:cNvSpPr/>
+          <p:nvPr/>
+        </p:nvSpPr>
+        <p:spPr>
+          <a:xfrm>
+            <a:off x="4655127" y="3665913"/>
+            <a:ext cx="1246909" cy="1246909"/>
+          </a:xfrm>
+          <a:prstGeom prst="roundRect">
+            <a:avLst/>
+          </a:prstGeom>
+          <a:solidFill>
+            <a:schemeClr val="bg2"/>
+          </a:solidFill>
+          <a:ln>
+            <a:solidFill>
+              <a:schemeClr val="bg2"/>
+            </a:solidFill>
+          </a:ln>
+          <a:effectLst>
+            <a:outerShdw blurRad="63500" sx="102000" sy="102000" algn="ctr" rotWithShape="0">
+              <a:prstClr val="black">
+                <a:alpha val="40000"/>
+              </a:prstClr>
+            </a:outerShdw>
+          </a:effectLst>
+          <a:scene3d>
+            <a:camera prst="orthographicFront"/>
+            <a:lightRig rig="threePt" dir="t"/>
+          </a:scene3d>
+          <a:sp3d>
+            <a:bevelT/>
+            <a:bevelB w="88900"/>
+          </a:sp3d>
+        </p:spPr>
+        <p:style>
+          <a:lnRef idx="2">
+            <a:schemeClr val="accent1">
+              <a:shade val="50000"/>
+            </a:schemeClr>
+          </a:lnRef>
+          <a:fillRef idx="1">
+            <a:schemeClr val="accent1"/>
+          </a:fillRef>
+          <a:effectRef idx="0">
+            <a:schemeClr val="accent1"/>
+          </a:effectRef>
+          <a:fontRef idx="minor">
+            <a:schemeClr val="lt1"/>
+          </a:fontRef>
+        </p:style>
+        <p:txBody>
+          <a:bodyPr rtlCol="0" anchor="ctr"/>
+          <a:lstStyle/>
+          <a:p>
+            <a:pPr algn="ctr"/>
+            <a:endParaRPr lang="en-US"/>
+          </a:p>
+        </p:txBody>
+      </p:sp>
+      <p:grpSp>
+        <p:nvGrpSpPr>
+          <p:cNvPr id="15" name="קבוצה 14">
+            <a:extLst>
+              <a:ext uri="{FF2B5EF4-FFF2-40B4-BE49-F238E27FC236}">
+                <a16:creationId xmlns:a16="http://schemas.microsoft.com/office/drawing/2014/main" id="{2DCD4030-FA97-48E0-9A80-920410C6B536}"/>
+              </a:ext>
+            </a:extLst>
+          </p:cNvPr>
+          <p:cNvGrpSpPr/>
+          <p:nvPr/>
+        </p:nvGrpSpPr>
+        <p:grpSpPr>
+          <a:xfrm>
+            <a:off x="1621577" y="1857577"/>
+            <a:ext cx="1802758" cy="1761174"/>
+            <a:chOff x="1621577" y="1857577"/>
+            <a:chExt cx="1802758" cy="1761174"/>
+          </a:xfrm>
+        </p:grpSpPr>
+        <p:pic>
+          <p:nvPicPr>
+            <p:cNvPr id="1026" name="Picture 2" descr="Illustrations Of Control, Alt, Delete, And Two Shapes - Blank Keyboard Key  Transparent Background Transparent PNG - 1024x951 - Free Download on NicePNG">
+              <a:extLst>
+                <a:ext uri="{FF2B5EF4-FFF2-40B4-BE49-F238E27FC236}">
+                  <a16:creationId xmlns:a16="http://schemas.microsoft.com/office/drawing/2014/main" id="{73EB426A-6384-4BE3-A926-4B6A4F3E0738}"/>
+                </a:ext>
+              </a:extLst>
+            </p:cNvPr>
+            <p:cNvPicPr>
+              <a:picLocks noChangeAspect="1" noChangeArrowheads="1"/>
+            </p:cNvPicPr>
+            <p:nvPr/>
+          </p:nvPicPr>
+          <p:blipFill>
+            <a:blip r:embed="rId2">
+              <a:extLst>
+                <a:ext uri="{BEBA8EAE-BF5A-486C-A8C5-ECC9F3942E4B}">
+                  <a14:imgProps xmlns:a14="http://schemas.microsoft.com/office/drawing/2010/main">
+                    <a14:imgLayer r:embed="rId3">
+                      <a14:imgEffect>
+                        <a14:backgroundRemoval t="5368" b="89888" l="8049" r="90732">
+                          <a14:foregroundMark x1="85488" y1="17728" x2="85488" y2="17728"/>
+                          <a14:foregroundMark x1="79024" y1="7740" x2="79024" y2="7740"/>
+                          <a14:foregroundMark x1="80976" y1="74532" x2="80976" y2="74532"/>
+                        </a14:backgroundRemoval>
+                      </a14:imgEffect>
+                    </a14:imgLayer>
+                  </a14:imgProps>
+                </a:ext>
+                <a:ext uri="{28A0092B-C50C-407E-A947-70E740481C1C}">
+                  <a14:useLocalDpi xmlns:a14="http://schemas.microsoft.com/office/drawing/2010/main" val="0"/>
+                </a:ext>
+              </a:extLst>
+            </a:blip>
+            <a:srcRect/>
+            <a:stretch>
+              <a:fillRect/>
+            </a:stretch>
+          </p:blipFill>
+          <p:spPr bwMode="auto">
+            <a:xfrm>
+              <a:off x="1621577" y="1857577"/>
+              <a:ext cx="1802758" cy="1761174"/>
+            </a:xfrm>
+            <a:prstGeom prst="rect">
+              <a:avLst/>
+            </a:prstGeom>
+            <a:noFill/>
+            <a:extLst>
+              <a:ext uri="{909E8E84-426E-40DD-AFC4-6F175D3DCCD1}">
+                <a14:hiddenFill xmlns:a14="http://schemas.microsoft.com/office/drawing/2010/main">
+                  <a:solidFill>
+                    <a:srgbClr val="FFFFFF"/>
+                  </a:solidFill>
+                </a14:hiddenFill>
+              </a:ext>
+            </a:extLst>
+          </p:spPr>
+        </p:pic>
+        <p:sp>
+          <p:nvSpPr>
+            <p:cNvPr id="10" name="חץ: ימינה 9">
+              <a:extLst>
+                <a:ext uri="{FF2B5EF4-FFF2-40B4-BE49-F238E27FC236}">
+                  <a16:creationId xmlns:a16="http://schemas.microsoft.com/office/drawing/2014/main" id="{F52539E0-7C37-4AF2-8C83-67BEBEC20DEB}"/>
+                </a:ext>
+              </a:extLst>
+            </p:cNvPr>
+            <p:cNvSpPr/>
+            <p:nvPr/>
+          </p:nvSpPr>
+          <p:spPr>
+            <a:xfrm>
+              <a:off x="2104924" y="2348356"/>
+              <a:ext cx="836063" cy="537019"/>
+            </a:xfrm>
+            <a:prstGeom prst="rightArrow">
+              <a:avLst>
+                <a:gd name="adj1" fmla="val 50000"/>
+                <a:gd name="adj2" fmla="val 87595"/>
+              </a:avLst>
+            </a:prstGeom>
+          </p:spPr>
+          <p:style>
+            <a:lnRef idx="2">
+              <a:schemeClr val="dk1">
+                <a:shade val="50000"/>
+              </a:schemeClr>
+            </a:lnRef>
+            <a:fillRef idx="1">
+              <a:schemeClr val="dk1"/>
+            </a:fillRef>
+            <a:effectRef idx="0">
+              <a:schemeClr val="dk1"/>
+            </a:effectRef>
+            <a:fontRef idx="minor">
+              <a:schemeClr val="lt1"/>
+            </a:fontRef>
+          </p:style>
+          <p:txBody>
+            <a:bodyPr rtlCol="0" anchor="ctr"/>
+            <a:lstStyle/>
+            <a:p>
+              <a:pPr algn="ctr"/>
+              <a:endParaRPr lang="en-US" dirty="0"/>
+            </a:p>
+          </p:txBody>
+        </p:sp>
+      </p:grpSp>
+      <p:grpSp>
+        <p:nvGrpSpPr>
+          <p:cNvPr id="21" name="קבוצה 20">
+            <a:extLst>
+              <a:ext uri="{FF2B5EF4-FFF2-40B4-BE49-F238E27FC236}">
+                <a16:creationId xmlns:a16="http://schemas.microsoft.com/office/drawing/2014/main" id="{37C19589-D634-4392-9470-DE6E2FB8E3CF}"/>
+              </a:ext>
+            </a:extLst>
+          </p:cNvPr>
+          <p:cNvGrpSpPr/>
+          <p:nvPr/>
+        </p:nvGrpSpPr>
+        <p:grpSpPr>
+          <a:xfrm>
+            <a:off x="457200" y="3941176"/>
+            <a:ext cx="3144416" cy="1761174"/>
+            <a:chOff x="457200" y="3941176"/>
+            <a:chExt cx="3144416" cy="1761174"/>
+          </a:xfrm>
+        </p:grpSpPr>
+        <p:pic>
+          <p:nvPicPr>
+            <p:cNvPr id="18" name="Picture 2" descr="Illustrations Of Control, Alt, Delete, And Two Shapes - Blank Keyboard Key  Transparent Background Transparent PNG - 1024x951 - Free Download on NicePNG">
+              <a:extLst>
+                <a:ext uri="{FF2B5EF4-FFF2-40B4-BE49-F238E27FC236}">
+                  <a16:creationId xmlns:a16="http://schemas.microsoft.com/office/drawing/2014/main" id="{1FD482E8-51F9-486F-9E33-013A6618622E}"/>
+                </a:ext>
+              </a:extLst>
+            </p:cNvPr>
+            <p:cNvPicPr>
+              <a:picLocks noChangeAspect="1" noChangeArrowheads="1"/>
+            </p:cNvPicPr>
+            <p:nvPr/>
+          </p:nvPicPr>
+          <p:blipFill>
+            <a:blip r:embed="rId2">
+              <a:extLst>
+                <a:ext uri="{BEBA8EAE-BF5A-486C-A8C5-ECC9F3942E4B}">
+                  <a14:imgProps xmlns:a14="http://schemas.microsoft.com/office/drawing/2010/main">
+                    <a14:imgLayer r:embed="rId3">
+                      <a14:imgEffect>
+                        <a14:backgroundRemoval t="5368" b="89888" l="8049" r="90732">
+                          <a14:foregroundMark x1="85488" y1="17728" x2="85488" y2="17728"/>
+                          <a14:foregroundMark x1="79024" y1="7740" x2="79024" y2="7740"/>
+                          <a14:foregroundMark x1="80976" y1="74532" x2="80976" y2="74532"/>
+                        </a14:backgroundRemoval>
+                      </a14:imgEffect>
+                    </a14:imgLayer>
+                  </a14:imgProps>
+                </a:ext>
+                <a:ext uri="{28A0092B-C50C-407E-A947-70E740481C1C}">
+                  <a14:useLocalDpi xmlns:a14="http://schemas.microsoft.com/office/drawing/2010/main" val="0"/>
+                </a:ext>
+              </a:extLst>
+            </a:blip>
+            <a:srcRect/>
+            <a:stretch>
+              <a:fillRect/>
+            </a:stretch>
+          </p:blipFill>
+          <p:spPr bwMode="auto">
+            <a:xfrm>
+              <a:off x="457200" y="3941176"/>
+              <a:ext cx="3144416" cy="1761174"/>
+            </a:xfrm>
+            <a:prstGeom prst="rect">
+              <a:avLst/>
+            </a:prstGeom>
+            <a:noFill/>
+            <a:extLst>
+              <a:ext uri="{909E8E84-426E-40DD-AFC4-6F175D3DCCD1}">
+                <a14:hiddenFill xmlns:a14="http://schemas.microsoft.com/office/drawing/2010/main">
+                  <a:solidFill>
+                    <a:srgbClr val="FFFFFF"/>
+                  </a:solidFill>
+                </a14:hiddenFill>
+              </a:ext>
+            </a:extLst>
+          </p:spPr>
+        </p:pic>
+        <p:sp>
+          <p:nvSpPr>
+            <p:cNvPr id="16" name="תיבת טקסט 15">
+              <a:extLst>
+                <a:ext uri="{FF2B5EF4-FFF2-40B4-BE49-F238E27FC236}">
+                  <a16:creationId xmlns:a16="http://schemas.microsoft.com/office/drawing/2014/main" id="{F9D8DE45-55C2-4B39-B2AD-E1271C58FDAB}"/>
+                </a:ext>
+              </a:extLst>
+            </p:cNvPr>
+            <p:cNvSpPr txBox="1"/>
+            <p:nvPr/>
+          </p:nvSpPr>
+          <p:spPr>
+            <a:xfrm>
+              <a:off x="945726" y="4317360"/>
+              <a:ext cx="2098652" cy="769441"/>
+            </a:xfrm>
+            <a:prstGeom prst="rect">
+              <a:avLst/>
+            </a:prstGeom>
+            <a:noFill/>
+          </p:spPr>
+          <p:txBody>
+            <a:bodyPr wrap="none" rtlCol="0">
+              <a:spAutoFit/>
+            </a:bodyPr>
+            <a:lstStyle/>
+            <a:p>
+              <a:r>
+                <a:rPr lang="en-US" sz="4400" dirty="0">
+                  <a:latin typeface="Arial Black" panose="020B0A04020102020204" pitchFamily="34" charset="0"/>
+                </a:rPr>
+                <a:t>Space</a:t>
+              </a:r>
+            </a:p>
+          </p:txBody>
+        </p:sp>
+      </p:grpSp>
+      <p:grpSp>
+        <p:nvGrpSpPr>
+          <p:cNvPr id="23" name="קבוצה 22">
+            <a:extLst>
+              <a:ext uri="{FF2B5EF4-FFF2-40B4-BE49-F238E27FC236}">
+                <a16:creationId xmlns:a16="http://schemas.microsoft.com/office/drawing/2014/main" id="{EA7F9BAA-A0A1-41C1-BE10-D12F37BBFD7D}"/>
+              </a:ext>
+            </a:extLst>
+          </p:cNvPr>
+          <p:cNvGrpSpPr/>
+          <p:nvPr/>
+        </p:nvGrpSpPr>
+        <p:grpSpPr>
+          <a:xfrm>
+            <a:off x="3648432" y="1857577"/>
+            <a:ext cx="1802758" cy="1761174"/>
+            <a:chOff x="1621577" y="1857577"/>
+            <a:chExt cx="1802758" cy="1761174"/>
+          </a:xfrm>
+        </p:grpSpPr>
+        <p:pic>
+          <p:nvPicPr>
+            <p:cNvPr id="24" name="Picture 2" descr="Illustrations Of Control, Alt, Delete, And Two Shapes - Blank Keyboard Key  Transparent Background Transparent PNG - 1024x951 - Free Download on NicePNG">
+              <a:extLst>
+                <a:ext uri="{FF2B5EF4-FFF2-40B4-BE49-F238E27FC236}">
+                  <a16:creationId xmlns:a16="http://schemas.microsoft.com/office/drawing/2014/main" id="{69B1962C-29D7-4BF3-A0F2-D9A43AF71DF6}"/>
+                </a:ext>
+              </a:extLst>
+            </p:cNvPr>
+            <p:cNvPicPr>
+              <a:picLocks noChangeAspect="1" noChangeArrowheads="1"/>
+            </p:cNvPicPr>
+            <p:nvPr/>
+          </p:nvPicPr>
+          <p:blipFill>
+            <a:blip r:embed="rId2">
+              <a:extLst>
+                <a:ext uri="{BEBA8EAE-BF5A-486C-A8C5-ECC9F3942E4B}">
+                  <a14:imgProps xmlns:a14="http://schemas.microsoft.com/office/drawing/2010/main">
+                    <a14:imgLayer r:embed="rId3">
+                      <a14:imgEffect>
+                        <a14:backgroundRemoval t="5368" b="89888" l="8049" r="90732">
+                          <a14:foregroundMark x1="85488" y1="17728" x2="85488" y2="17728"/>
+                          <a14:foregroundMark x1="79024" y1="7740" x2="79024" y2="7740"/>
+                          <a14:foregroundMark x1="80976" y1="74532" x2="80976" y2="74532"/>
+                        </a14:backgroundRemoval>
+                      </a14:imgEffect>
+                    </a14:imgLayer>
+                  </a14:imgProps>
+                </a:ext>
+                <a:ext uri="{28A0092B-C50C-407E-A947-70E740481C1C}">
+                  <a14:useLocalDpi xmlns:a14="http://schemas.microsoft.com/office/drawing/2010/main" val="0"/>
+                </a:ext>
+              </a:extLst>
+            </a:blip>
+            <a:srcRect/>
+            <a:stretch>
+              <a:fillRect/>
+            </a:stretch>
+          </p:blipFill>
+          <p:spPr bwMode="auto">
+            <a:xfrm>
+              <a:off x="1621577" y="1857577"/>
+              <a:ext cx="1802758" cy="1761174"/>
+            </a:xfrm>
+            <a:prstGeom prst="rect">
+              <a:avLst/>
+            </a:prstGeom>
+            <a:noFill/>
+            <a:extLst>
+              <a:ext uri="{909E8E84-426E-40DD-AFC4-6F175D3DCCD1}">
+                <a14:hiddenFill xmlns:a14="http://schemas.microsoft.com/office/drawing/2010/main">
+                  <a:solidFill>
+                    <a:srgbClr val="FFFFFF"/>
+                  </a:solidFill>
+                </a14:hiddenFill>
+              </a:ext>
+            </a:extLst>
+          </p:spPr>
+        </p:pic>
+        <p:sp>
+          <p:nvSpPr>
+            <p:cNvPr id="25" name="חץ: ימינה 24">
+              <a:extLst>
+                <a:ext uri="{FF2B5EF4-FFF2-40B4-BE49-F238E27FC236}">
+                  <a16:creationId xmlns:a16="http://schemas.microsoft.com/office/drawing/2014/main" id="{DB0A62D8-138B-4E0C-965E-A54D0AFF0069}"/>
+                </a:ext>
+              </a:extLst>
+            </p:cNvPr>
+            <p:cNvSpPr/>
+            <p:nvPr/>
+          </p:nvSpPr>
+          <p:spPr>
+            <a:xfrm rot="16200000">
+              <a:off x="2104924" y="2348356"/>
+              <a:ext cx="836063" cy="537019"/>
+            </a:xfrm>
+            <a:prstGeom prst="rightArrow">
+              <a:avLst>
+                <a:gd name="adj1" fmla="val 50000"/>
+                <a:gd name="adj2" fmla="val 87595"/>
+              </a:avLst>
+            </a:prstGeom>
+          </p:spPr>
+          <p:style>
+            <a:lnRef idx="2">
+              <a:schemeClr val="dk1">
+                <a:shade val="50000"/>
+              </a:schemeClr>
+            </a:lnRef>
+            <a:fillRef idx="1">
+              <a:schemeClr val="dk1"/>
+            </a:fillRef>
+            <a:effectRef idx="0">
+              <a:schemeClr val="dk1"/>
+            </a:effectRef>
+            <a:fontRef idx="minor">
+              <a:schemeClr val="lt1"/>
+            </a:fontRef>
+          </p:style>
+          <p:txBody>
+            <a:bodyPr rtlCol="0" anchor="ctr"/>
+            <a:lstStyle/>
+            <a:p>
+              <a:pPr algn="ctr"/>
+              <a:endParaRPr lang="en-US" dirty="0"/>
+            </a:p>
+          </p:txBody>
+        </p:sp>
+      </p:grpSp>
+      <p:cxnSp>
+        <p:nvCxnSpPr>
+          <p:cNvPr id="26" name="מחבר ישר 25">
+            <a:extLst>
+              <a:ext uri="{FF2B5EF4-FFF2-40B4-BE49-F238E27FC236}">
+                <a16:creationId xmlns:a16="http://schemas.microsoft.com/office/drawing/2014/main" id="{C89C522D-85C5-4334-9EEB-188B4C7456ED}"/>
+              </a:ext>
+            </a:extLst>
+          </p:cNvPr>
+          <p:cNvCxnSpPr>
+            <a:cxnSpLocks/>
+            <a:stCxn id="13" idx="4"/>
+            <a:endCxn id="13" idx="2"/>
+          </p:cNvCxnSpPr>
+          <p:nvPr/>
+        </p:nvCxnSpPr>
+        <p:spPr>
+          <a:xfrm>
+            <a:off x="8369828" y="4801509"/>
+            <a:ext cx="151032" cy="0"/>
+          </a:xfrm>
+          <a:prstGeom prst="line">
+            <a:avLst/>
+          </a:prstGeom>
+          <a:ln>
+            <a:solidFill>
+              <a:schemeClr val="bg1"/>
+            </a:solidFill>
+          </a:ln>
+        </p:spPr>
+        <p:style>
+          <a:lnRef idx="1">
+            <a:schemeClr val="accent1"/>
+          </a:lnRef>
+          <a:fillRef idx="0">
+            <a:schemeClr val="accent1"/>
+          </a:fillRef>
+          <a:effectRef idx="0">
+            <a:schemeClr val="accent1"/>
+          </a:effectRef>
+          <a:fontRef idx="minor">
+            <a:schemeClr val="tx1"/>
+          </a:fontRef>
+        </p:style>
+      </p:cxnSp>
     </p:spTree>
     <p:extLst>
       <p:ext uri="{BB962C8B-B14F-4D97-AF65-F5344CB8AC3E}">

--- a/Assets/Etc/Textures.pptx
+++ b/Assets/Etc/Textures.pptx
@@ -263,7 +263,7 @@
           <a:p>
             <a:fld id="{6524AA6A-33AF-41C8-84C7-4073CA180999}" type="datetimeFigureOut">
               <a:rPr lang="en-US" smtClean="0"/>
-              <a:t>9/8/2021</a:t>
+              <a:t>9/18/2021</a:t>
             </a:fld>
             <a:endParaRPr lang="en-US"/>
           </a:p>
@@ -463,7 +463,7 @@
           <a:p>
             <a:fld id="{6524AA6A-33AF-41C8-84C7-4073CA180999}" type="datetimeFigureOut">
               <a:rPr lang="en-US" smtClean="0"/>
-              <a:t>9/8/2021</a:t>
+              <a:t>9/18/2021</a:t>
             </a:fld>
             <a:endParaRPr lang="en-US"/>
           </a:p>
@@ -673,7 +673,7 @@
           <a:p>
             <a:fld id="{6524AA6A-33AF-41C8-84C7-4073CA180999}" type="datetimeFigureOut">
               <a:rPr lang="en-US" smtClean="0"/>
-              <a:t>9/8/2021</a:t>
+              <a:t>9/18/2021</a:t>
             </a:fld>
             <a:endParaRPr lang="en-US"/>
           </a:p>
@@ -873,7 +873,7 @@
           <a:p>
             <a:fld id="{6524AA6A-33AF-41C8-84C7-4073CA180999}" type="datetimeFigureOut">
               <a:rPr lang="en-US" smtClean="0"/>
-              <a:t>9/8/2021</a:t>
+              <a:t>9/18/2021</a:t>
             </a:fld>
             <a:endParaRPr lang="en-US"/>
           </a:p>
@@ -1149,7 +1149,7 @@
           <a:p>
             <a:fld id="{6524AA6A-33AF-41C8-84C7-4073CA180999}" type="datetimeFigureOut">
               <a:rPr lang="en-US" smtClean="0"/>
-              <a:t>9/8/2021</a:t>
+              <a:t>9/18/2021</a:t>
             </a:fld>
             <a:endParaRPr lang="en-US"/>
           </a:p>
@@ -1417,7 +1417,7 @@
           <a:p>
             <a:fld id="{6524AA6A-33AF-41C8-84C7-4073CA180999}" type="datetimeFigureOut">
               <a:rPr lang="en-US" smtClean="0"/>
-              <a:t>9/8/2021</a:t>
+              <a:t>9/18/2021</a:t>
             </a:fld>
             <a:endParaRPr lang="en-US"/>
           </a:p>
@@ -1832,7 +1832,7 @@
           <a:p>
             <a:fld id="{6524AA6A-33AF-41C8-84C7-4073CA180999}" type="datetimeFigureOut">
               <a:rPr lang="en-US" smtClean="0"/>
-              <a:t>9/8/2021</a:t>
+              <a:t>9/18/2021</a:t>
             </a:fld>
             <a:endParaRPr lang="en-US"/>
           </a:p>
@@ -1974,7 +1974,7 @@
           <a:p>
             <a:fld id="{6524AA6A-33AF-41C8-84C7-4073CA180999}" type="datetimeFigureOut">
               <a:rPr lang="en-US" smtClean="0"/>
-              <a:t>9/8/2021</a:t>
+              <a:t>9/18/2021</a:t>
             </a:fld>
             <a:endParaRPr lang="en-US"/>
           </a:p>
@@ -2087,7 +2087,7 @@
           <a:p>
             <a:fld id="{6524AA6A-33AF-41C8-84C7-4073CA180999}" type="datetimeFigureOut">
               <a:rPr lang="en-US" smtClean="0"/>
-              <a:t>9/8/2021</a:t>
+              <a:t>9/18/2021</a:t>
             </a:fld>
             <a:endParaRPr lang="en-US"/>
           </a:p>
@@ -2400,7 +2400,7 @@
           <a:p>
             <a:fld id="{6524AA6A-33AF-41C8-84C7-4073CA180999}" type="datetimeFigureOut">
               <a:rPr lang="en-US" smtClean="0"/>
-              <a:t>9/8/2021</a:t>
+              <a:t>9/18/2021</a:t>
             </a:fld>
             <a:endParaRPr lang="en-US"/>
           </a:p>
@@ -2689,7 +2689,7 @@
           <a:p>
             <a:fld id="{6524AA6A-33AF-41C8-84C7-4073CA180999}" type="datetimeFigureOut">
               <a:rPr lang="en-US" smtClean="0"/>
-              <a:t>9/8/2021</a:t>
+              <a:t>9/18/2021</a:t>
             </a:fld>
             <a:endParaRPr lang="en-US"/>
           </a:p>
@@ -2932,7 +2932,7 @@
           <a:p>
             <a:fld id="{6524AA6A-33AF-41C8-84C7-4073CA180999}" type="datetimeFigureOut">
               <a:rPr lang="en-US" smtClean="0"/>
-              <a:t>9/8/2021</a:t>
+              <a:t>9/18/2021</a:t>
             </a:fld>
             <a:endParaRPr lang="en-US"/>
           </a:p>
@@ -3506,6 +3506,51 @@
           </a:p>
         </p:txBody>
       </p:sp>
+      <p:sp>
+        <p:nvSpPr>
+          <p:cNvPr id="5" name="תיבת טקסט 4">
+            <a:extLst>
+              <a:ext uri="{FF2B5EF4-FFF2-40B4-BE49-F238E27FC236}">
+                <a16:creationId xmlns:a16="http://schemas.microsoft.com/office/drawing/2014/main" id="{BCE2AA66-E959-4C24-BAF9-F6E8B61313CD}"/>
+              </a:ext>
+            </a:extLst>
+          </p:cNvPr>
+          <p:cNvSpPr txBox="1"/>
+          <p:nvPr/>
+        </p:nvSpPr>
+        <p:spPr>
+          <a:xfrm>
+            <a:off x="3783506" y="3925319"/>
+            <a:ext cx="4624984" cy="1200329"/>
+          </a:xfrm>
+          <a:prstGeom prst="rect">
+            <a:avLst/>
+          </a:prstGeom>
+          <a:noFill/>
+        </p:spPr>
+        <p:txBody>
+          <a:bodyPr wrap="none" rtlCol="0">
+            <a:spAutoFit/>
+          </a:bodyPr>
+          <a:lstStyle/>
+          <a:p>
+            <a:r>
+              <a:rPr lang="en-US" sz="7200" dirty="0">
+                <a:ln w="38100">
+                  <a:solidFill>
+                    <a:sysClr val="windowText" lastClr="000000"/>
+                  </a:solidFill>
+                </a:ln>
+                <a:solidFill>
+                  <a:srgbClr val="FFFF00"/>
+                </a:solidFill>
+                <a:latin typeface="Grange" panose="04000603030000020004" pitchFamily="82" charset="0"/>
+              </a:rPr>
+              <a:t>Level up</a:t>
+            </a:r>
+          </a:p>
+        </p:txBody>
+      </p:sp>
     </p:spTree>
     <p:extLst>
       <p:ext uri="{BB962C8B-B14F-4D97-AF65-F5344CB8AC3E}">
@@ -4452,6 +4497,360 @@
           </a:fontRef>
         </p:style>
       </p:cxnSp>
+      <p:grpSp>
+        <p:nvGrpSpPr>
+          <p:cNvPr id="20" name="קבוצה 19">
+            <a:extLst>
+              <a:ext uri="{FF2B5EF4-FFF2-40B4-BE49-F238E27FC236}">
+                <a16:creationId xmlns:a16="http://schemas.microsoft.com/office/drawing/2014/main" id="{CCA0F09C-04A7-4FFF-B613-AF22438345BC}"/>
+              </a:ext>
+            </a:extLst>
+          </p:cNvPr>
+          <p:cNvGrpSpPr/>
+          <p:nvPr/>
+        </p:nvGrpSpPr>
+        <p:grpSpPr>
+          <a:xfrm>
+            <a:off x="5066248" y="4953910"/>
+            <a:ext cx="1838947" cy="1761174"/>
+            <a:chOff x="962286" y="3941176"/>
+            <a:chExt cx="3144416" cy="1761174"/>
+          </a:xfrm>
+        </p:grpSpPr>
+        <p:pic>
+          <p:nvPicPr>
+            <p:cNvPr id="22" name="Picture 2" descr="Illustrations Of Control, Alt, Delete, And Two Shapes - Blank Keyboard Key  Transparent Background Transparent PNG - 1024x951 - Free Download on NicePNG">
+              <a:extLst>
+                <a:ext uri="{FF2B5EF4-FFF2-40B4-BE49-F238E27FC236}">
+                  <a16:creationId xmlns:a16="http://schemas.microsoft.com/office/drawing/2014/main" id="{560C1729-8EFE-4826-A72B-C55E905904B6}"/>
+                </a:ext>
+              </a:extLst>
+            </p:cNvPr>
+            <p:cNvPicPr>
+              <a:picLocks noChangeAspect="1" noChangeArrowheads="1"/>
+            </p:cNvPicPr>
+            <p:nvPr/>
+          </p:nvPicPr>
+          <p:blipFill>
+            <a:blip r:embed="rId2">
+              <a:extLst>
+                <a:ext uri="{BEBA8EAE-BF5A-486C-A8C5-ECC9F3942E4B}">
+                  <a14:imgProps xmlns:a14="http://schemas.microsoft.com/office/drawing/2010/main">
+                    <a14:imgLayer r:embed="rId3">
+                      <a14:imgEffect>
+                        <a14:backgroundRemoval t="5368" b="89888" l="8049" r="90732">
+                          <a14:foregroundMark x1="85488" y1="17728" x2="85488" y2="17728"/>
+                          <a14:foregroundMark x1="79024" y1="7740" x2="79024" y2="7740"/>
+                          <a14:foregroundMark x1="80976" y1="74532" x2="80976" y2="74532"/>
+                        </a14:backgroundRemoval>
+                      </a14:imgEffect>
+                    </a14:imgLayer>
+                  </a14:imgProps>
+                </a:ext>
+                <a:ext uri="{28A0092B-C50C-407E-A947-70E740481C1C}">
+                  <a14:useLocalDpi xmlns:a14="http://schemas.microsoft.com/office/drawing/2010/main" val="0"/>
+                </a:ext>
+              </a:extLst>
+            </a:blip>
+            <a:srcRect/>
+            <a:stretch>
+              <a:fillRect/>
+            </a:stretch>
+          </p:blipFill>
+          <p:spPr bwMode="auto">
+            <a:xfrm>
+              <a:off x="962286" y="3941176"/>
+              <a:ext cx="3144416" cy="1761174"/>
+            </a:xfrm>
+            <a:prstGeom prst="rect">
+              <a:avLst/>
+            </a:prstGeom>
+            <a:noFill/>
+            <a:extLst>
+              <a:ext uri="{909E8E84-426E-40DD-AFC4-6F175D3DCCD1}">
+                <a14:hiddenFill xmlns:a14="http://schemas.microsoft.com/office/drawing/2010/main">
+                  <a:solidFill>
+                    <a:srgbClr val="FFFFFF"/>
+                  </a:solidFill>
+                </a14:hiddenFill>
+              </a:ext>
+            </a:extLst>
+          </p:spPr>
+        </p:pic>
+        <p:sp>
+          <p:nvSpPr>
+            <p:cNvPr id="27" name="תיבת טקסט 26">
+              <a:extLst>
+                <a:ext uri="{FF2B5EF4-FFF2-40B4-BE49-F238E27FC236}">
+                  <a16:creationId xmlns:a16="http://schemas.microsoft.com/office/drawing/2014/main" id="{E2C8F744-8AFE-45BC-8F5D-C4F13544149D}"/>
+                </a:ext>
+              </a:extLst>
+            </p:cNvPr>
+            <p:cNvSpPr txBox="1"/>
+            <p:nvPr/>
+          </p:nvSpPr>
+          <p:spPr>
+            <a:xfrm>
+              <a:off x="1099962" y="4304895"/>
+              <a:ext cx="2263400" cy="769441"/>
+            </a:xfrm>
+            <a:prstGeom prst="rect">
+              <a:avLst/>
+            </a:prstGeom>
+            <a:noFill/>
+          </p:spPr>
+          <p:txBody>
+            <a:bodyPr wrap="square" rtlCol="0">
+              <a:spAutoFit/>
+            </a:bodyPr>
+            <a:lstStyle/>
+            <a:p>
+              <a:r>
+                <a:rPr lang="en-US" sz="4400" dirty="0">
+                  <a:latin typeface="Arial Black" panose="020B0A04020102020204" pitchFamily="34" charset="0"/>
+                </a:rPr>
+                <a:t>alt</a:t>
+              </a:r>
+            </a:p>
+          </p:txBody>
+        </p:sp>
+      </p:grpSp>
+      <p:grpSp>
+        <p:nvGrpSpPr>
+          <p:cNvPr id="28" name="קבוצה 27">
+            <a:extLst>
+              <a:ext uri="{FF2B5EF4-FFF2-40B4-BE49-F238E27FC236}">
+                <a16:creationId xmlns:a16="http://schemas.microsoft.com/office/drawing/2014/main" id="{62AA9E40-866D-4B0A-8011-ADAD451B6681}"/>
+              </a:ext>
+            </a:extLst>
+          </p:cNvPr>
+          <p:cNvGrpSpPr/>
+          <p:nvPr/>
+        </p:nvGrpSpPr>
+        <p:grpSpPr>
+          <a:xfrm>
+            <a:off x="9051025" y="4680066"/>
+            <a:ext cx="1838947" cy="1761174"/>
+            <a:chOff x="962286" y="3941176"/>
+            <a:chExt cx="3144416" cy="1761174"/>
+          </a:xfrm>
+        </p:grpSpPr>
+        <p:pic>
+          <p:nvPicPr>
+            <p:cNvPr id="29" name="Picture 2" descr="Illustrations Of Control, Alt, Delete, And Two Shapes - Blank Keyboard Key  Transparent Background Transparent PNG - 1024x951 - Free Download on NicePNG">
+              <a:extLst>
+                <a:ext uri="{FF2B5EF4-FFF2-40B4-BE49-F238E27FC236}">
+                  <a16:creationId xmlns:a16="http://schemas.microsoft.com/office/drawing/2014/main" id="{E6FC710D-41B0-40E4-B5FA-B85759715118}"/>
+                </a:ext>
+              </a:extLst>
+            </p:cNvPr>
+            <p:cNvPicPr>
+              <a:picLocks noChangeAspect="1" noChangeArrowheads="1"/>
+            </p:cNvPicPr>
+            <p:nvPr/>
+          </p:nvPicPr>
+          <p:blipFill>
+            <a:blip r:embed="rId2">
+              <a:extLst>
+                <a:ext uri="{BEBA8EAE-BF5A-486C-A8C5-ECC9F3942E4B}">
+                  <a14:imgProps xmlns:a14="http://schemas.microsoft.com/office/drawing/2010/main">
+                    <a14:imgLayer r:embed="rId3">
+                      <a14:imgEffect>
+                        <a14:backgroundRemoval t="5368" b="89888" l="8049" r="90732">
+                          <a14:foregroundMark x1="85488" y1="17728" x2="85488" y2="17728"/>
+                          <a14:foregroundMark x1="79024" y1="7740" x2="79024" y2="7740"/>
+                          <a14:foregroundMark x1="80976" y1="74532" x2="80976" y2="74532"/>
+                        </a14:backgroundRemoval>
+                      </a14:imgEffect>
+                    </a14:imgLayer>
+                  </a14:imgProps>
+                </a:ext>
+                <a:ext uri="{28A0092B-C50C-407E-A947-70E740481C1C}">
+                  <a14:useLocalDpi xmlns:a14="http://schemas.microsoft.com/office/drawing/2010/main" val="0"/>
+                </a:ext>
+              </a:extLst>
+            </a:blip>
+            <a:srcRect/>
+            <a:stretch>
+              <a:fillRect/>
+            </a:stretch>
+          </p:blipFill>
+          <p:spPr bwMode="auto">
+            <a:xfrm>
+              <a:off x="962286" y="3941176"/>
+              <a:ext cx="3144416" cy="1761174"/>
+            </a:xfrm>
+            <a:prstGeom prst="rect">
+              <a:avLst/>
+            </a:prstGeom>
+            <a:noFill/>
+            <a:extLst>
+              <a:ext uri="{909E8E84-426E-40DD-AFC4-6F175D3DCCD1}">
+                <a14:hiddenFill xmlns:a14="http://schemas.microsoft.com/office/drawing/2010/main">
+                  <a:solidFill>
+                    <a:srgbClr val="FFFFFF"/>
+                  </a:solidFill>
+                </a14:hiddenFill>
+              </a:ext>
+            </a:extLst>
+          </p:spPr>
+        </p:pic>
+        <p:sp>
+          <p:nvSpPr>
+            <p:cNvPr id="30" name="תיבת טקסט 29">
+              <a:extLst>
+                <a:ext uri="{FF2B5EF4-FFF2-40B4-BE49-F238E27FC236}">
+                  <a16:creationId xmlns:a16="http://schemas.microsoft.com/office/drawing/2014/main" id="{27608DEE-768F-472E-AA7F-A3B621B4CAF3}"/>
+                </a:ext>
+              </a:extLst>
+            </p:cNvPr>
+            <p:cNvSpPr txBox="1"/>
+            <p:nvPr/>
+          </p:nvSpPr>
+          <p:spPr>
+            <a:xfrm>
+              <a:off x="2120755" y="4215020"/>
+              <a:ext cx="827474" cy="1015663"/>
+            </a:xfrm>
+            <a:prstGeom prst="rect">
+              <a:avLst/>
+            </a:prstGeom>
+            <a:noFill/>
+          </p:spPr>
+          <p:txBody>
+            <a:bodyPr wrap="square" rtlCol="0">
+              <a:spAutoFit/>
+            </a:bodyPr>
+            <a:lstStyle/>
+            <a:p>
+              <a:r>
+                <a:rPr lang="en-US" sz="6000" dirty="0">
+                  <a:latin typeface="Arial Black" panose="020B0A04020102020204" pitchFamily="34" charset="0"/>
+                </a:rPr>
+                <a:t>I</a:t>
+              </a:r>
+            </a:p>
+          </p:txBody>
+        </p:sp>
+      </p:grpSp>
+      <p:grpSp>
+        <p:nvGrpSpPr>
+          <p:cNvPr id="31" name="קבוצה 30">
+            <a:extLst>
+              <a:ext uri="{FF2B5EF4-FFF2-40B4-BE49-F238E27FC236}">
+                <a16:creationId xmlns:a16="http://schemas.microsoft.com/office/drawing/2014/main" id="{0C448EFF-FA40-4ABE-B890-FA34240B596C}"/>
+              </a:ext>
+            </a:extLst>
+          </p:cNvPr>
+          <p:cNvGrpSpPr/>
+          <p:nvPr/>
+        </p:nvGrpSpPr>
+        <p:grpSpPr>
+          <a:xfrm>
+            <a:off x="9292989" y="2230360"/>
+            <a:ext cx="1838947" cy="1761174"/>
+            <a:chOff x="962286" y="3941176"/>
+            <a:chExt cx="3144416" cy="1761174"/>
+          </a:xfrm>
+        </p:grpSpPr>
+        <p:pic>
+          <p:nvPicPr>
+            <p:cNvPr id="32" name="Picture 2" descr="Illustrations Of Control, Alt, Delete, And Two Shapes - Blank Keyboard Key  Transparent Background Transparent PNG - 1024x951 - Free Download on NicePNG">
+              <a:extLst>
+                <a:ext uri="{FF2B5EF4-FFF2-40B4-BE49-F238E27FC236}">
+                  <a16:creationId xmlns:a16="http://schemas.microsoft.com/office/drawing/2014/main" id="{EAFF90FC-AF32-421F-8078-5A57F644F6FF}"/>
+                </a:ext>
+              </a:extLst>
+            </p:cNvPr>
+            <p:cNvPicPr>
+              <a:picLocks noChangeAspect="1" noChangeArrowheads="1"/>
+            </p:cNvPicPr>
+            <p:nvPr/>
+          </p:nvPicPr>
+          <p:blipFill>
+            <a:blip r:embed="rId2">
+              <a:extLst>
+                <a:ext uri="{BEBA8EAE-BF5A-486C-A8C5-ECC9F3942E4B}">
+                  <a14:imgProps xmlns:a14="http://schemas.microsoft.com/office/drawing/2010/main">
+                    <a14:imgLayer r:embed="rId3">
+                      <a14:imgEffect>
+                        <a14:backgroundRemoval t="5368" b="89888" l="8049" r="90732">
+                          <a14:foregroundMark x1="85488" y1="17728" x2="85488" y2="17728"/>
+                          <a14:foregroundMark x1="79024" y1="7740" x2="79024" y2="7740"/>
+                          <a14:foregroundMark x1="80976" y1="74532" x2="80976" y2="74532"/>
+                        </a14:backgroundRemoval>
+                      </a14:imgEffect>
+                    </a14:imgLayer>
+                  </a14:imgProps>
+                </a:ext>
+                <a:ext uri="{28A0092B-C50C-407E-A947-70E740481C1C}">
+                  <a14:useLocalDpi xmlns:a14="http://schemas.microsoft.com/office/drawing/2010/main" val="0"/>
+                </a:ext>
+              </a:extLst>
+            </a:blip>
+            <a:srcRect/>
+            <a:stretch>
+              <a:fillRect/>
+            </a:stretch>
+          </p:blipFill>
+          <p:spPr bwMode="auto">
+            <a:xfrm>
+              <a:off x="962286" y="3941176"/>
+              <a:ext cx="3144416" cy="1761174"/>
+            </a:xfrm>
+            <a:prstGeom prst="rect">
+              <a:avLst/>
+            </a:prstGeom>
+            <a:noFill/>
+            <a:extLst>
+              <a:ext uri="{909E8E84-426E-40DD-AFC4-6F175D3DCCD1}">
+                <a14:hiddenFill xmlns:a14="http://schemas.microsoft.com/office/drawing/2010/main">
+                  <a:solidFill>
+                    <a:srgbClr val="FFFFFF"/>
+                  </a:solidFill>
+                </a14:hiddenFill>
+              </a:ext>
+            </a:extLst>
+          </p:spPr>
+        </p:pic>
+        <p:sp>
+          <p:nvSpPr>
+            <p:cNvPr id="33" name="תיבת טקסט 32">
+              <a:extLst>
+                <a:ext uri="{FF2B5EF4-FFF2-40B4-BE49-F238E27FC236}">
+                  <a16:creationId xmlns:a16="http://schemas.microsoft.com/office/drawing/2014/main" id="{7044ADF6-4FE0-4BBA-BDA3-2FD31B310C05}"/>
+                </a:ext>
+              </a:extLst>
+            </p:cNvPr>
+            <p:cNvSpPr txBox="1"/>
+            <p:nvPr/>
+          </p:nvSpPr>
+          <p:spPr>
+            <a:xfrm>
+              <a:off x="1402792" y="4327681"/>
+              <a:ext cx="2263400" cy="769441"/>
+            </a:xfrm>
+            <a:prstGeom prst="rect">
+              <a:avLst/>
+            </a:prstGeom>
+            <a:noFill/>
+          </p:spPr>
+          <p:txBody>
+            <a:bodyPr wrap="square" rtlCol="0">
+              <a:spAutoFit/>
+            </a:bodyPr>
+            <a:lstStyle/>
+            <a:p>
+              <a:r>
+                <a:rPr lang="en-US" sz="4400" dirty="0">
+                  <a:latin typeface="Arial Black" panose="020B0A04020102020204" pitchFamily="34" charset="0"/>
+                </a:rPr>
+                <a:t>ctrl</a:t>
+              </a:r>
+            </a:p>
+          </p:txBody>
+        </p:sp>
+      </p:grpSp>
     </p:spTree>
     <p:extLst>
       <p:ext uri="{BB962C8B-B14F-4D97-AF65-F5344CB8AC3E}">

--- a/Assets/Etc/Textures.pptx
+++ b/Assets/Etc/Textures.pptx
@@ -263,7 +263,7 @@
           <a:p>
             <a:fld id="{6524AA6A-33AF-41C8-84C7-4073CA180999}" type="datetimeFigureOut">
               <a:rPr lang="en-US" smtClean="0"/>
-              <a:t>9/18/2021</a:t>
+              <a:t>9/20/2021</a:t>
             </a:fld>
             <a:endParaRPr lang="en-US"/>
           </a:p>
@@ -463,7 +463,7 @@
           <a:p>
             <a:fld id="{6524AA6A-33AF-41C8-84C7-4073CA180999}" type="datetimeFigureOut">
               <a:rPr lang="en-US" smtClean="0"/>
-              <a:t>9/18/2021</a:t>
+              <a:t>9/20/2021</a:t>
             </a:fld>
             <a:endParaRPr lang="en-US"/>
           </a:p>
@@ -673,7 +673,7 @@
           <a:p>
             <a:fld id="{6524AA6A-33AF-41C8-84C7-4073CA180999}" type="datetimeFigureOut">
               <a:rPr lang="en-US" smtClean="0"/>
-              <a:t>9/18/2021</a:t>
+              <a:t>9/20/2021</a:t>
             </a:fld>
             <a:endParaRPr lang="en-US"/>
           </a:p>
@@ -873,7 +873,7 @@
           <a:p>
             <a:fld id="{6524AA6A-33AF-41C8-84C7-4073CA180999}" type="datetimeFigureOut">
               <a:rPr lang="en-US" smtClean="0"/>
-              <a:t>9/18/2021</a:t>
+              <a:t>9/20/2021</a:t>
             </a:fld>
             <a:endParaRPr lang="en-US"/>
           </a:p>
@@ -1149,7 +1149,7 @@
           <a:p>
             <a:fld id="{6524AA6A-33AF-41C8-84C7-4073CA180999}" type="datetimeFigureOut">
               <a:rPr lang="en-US" smtClean="0"/>
-              <a:t>9/18/2021</a:t>
+              <a:t>9/20/2021</a:t>
             </a:fld>
             <a:endParaRPr lang="en-US"/>
           </a:p>
@@ -1417,7 +1417,7 @@
           <a:p>
             <a:fld id="{6524AA6A-33AF-41C8-84C7-4073CA180999}" type="datetimeFigureOut">
               <a:rPr lang="en-US" smtClean="0"/>
-              <a:t>9/18/2021</a:t>
+              <a:t>9/20/2021</a:t>
             </a:fld>
             <a:endParaRPr lang="en-US"/>
           </a:p>
@@ -1832,7 +1832,7 @@
           <a:p>
             <a:fld id="{6524AA6A-33AF-41C8-84C7-4073CA180999}" type="datetimeFigureOut">
               <a:rPr lang="en-US" smtClean="0"/>
-              <a:t>9/18/2021</a:t>
+              <a:t>9/20/2021</a:t>
             </a:fld>
             <a:endParaRPr lang="en-US"/>
           </a:p>
@@ -1974,7 +1974,7 @@
           <a:p>
             <a:fld id="{6524AA6A-33AF-41C8-84C7-4073CA180999}" type="datetimeFigureOut">
               <a:rPr lang="en-US" smtClean="0"/>
-              <a:t>9/18/2021</a:t>
+              <a:t>9/20/2021</a:t>
             </a:fld>
             <a:endParaRPr lang="en-US"/>
           </a:p>
@@ -2087,7 +2087,7 @@
           <a:p>
             <a:fld id="{6524AA6A-33AF-41C8-84C7-4073CA180999}" type="datetimeFigureOut">
               <a:rPr lang="en-US" smtClean="0"/>
-              <a:t>9/18/2021</a:t>
+              <a:t>9/20/2021</a:t>
             </a:fld>
             <a:endParaRPr lang="en-US"/>
           </a:p>
@@ -2400,7 +2400,7 @@
           <a:p>
             <a:fld id="{6524AA6A-33AF-41C8-84C7-4073CA180999}" type="datetimeFigureOut">
               <a:rPr lang="en-US" smtClean="0"/>
-              <a:t>9/18/2021</a:t>
+              <a:t>9/20/2021</a:t>
             </a:fld>
             <a:endParaRPr lang="en-US"/>
           </a:p>
@@ -2689,7 +2689,7 @@
           <a:p>
             <a:fld id="{6524AA6A-33AF-41C8-84C7-4073CA180999}" type="datetimeFigureOut">
               <a:rPr lang="en-US" smtClean="0"/>
-              <a:t>9/18/2021</a:t>
+              <a:t>9/20/2021</a:t>
             </a:fld>
             <a:endParaRPr lang="en-US"/>
           </a:p>
@@ -2932,7 +2932,7 @@
           <a:p>
             <a:fld id="{6524AA6A-33AF-41C8-84C7-4073CA180999}" type="datetimeFigureOut">
               <a:rPr lang="en-US" smtClean="0"/>
-              <a:t>9/18/2021</a:t>
+              <a:t>9/20/2021</a:t>
             </a:fld>
             <a:endParaRPr lang="en-US"/>
           </a:p>
@@ -4851,6 +4851,124 @@
           </p:txBody>
         </p:sp>
       </p:grpSp>
+      <p:grpSp>
+        <p:nvGrpSpPr>
+          <p:cNvPr id="34" name="קבוצה 33">
+            <a:extLst>
+              <a:ext uri="{FF2B5EF4-FFF2-40B4-BE49-F238E27FC236}">
+                <a16:creationId xmlns:a16="http://schemas.microsoft.com/office/drawing/2014/main" id="{10D7A1F7-9910-4700-A7EF-4367CDC04C93}"/>
+              </a:ext>
+            </a:extLst>
+          </p:cNvPr>
+          <p:cNvGrpSpPr/>
+          <p:nvPr/>
+        </p:nvGrpSpPr>
+        <p:grpSpPr>
+          <a:xfrm>
+            <a:off x="6087879" y="2505719"/>
+            <a:ext cx="1838948" cy="1761174"/>
+            <a:chOff x="962286" y="3941176"/>
+            <a:chExt cx="3144416" cy="1761174"/>
+          </a:xfrm>
+        </p:grpSpPr>
+        <p:pic>
+          <p:nvPicPr>
+            <p:cNvPr id="35" name="Picture 2" descr="Illustrations Of Control, Alt, Delete, And Two Shapes - Blank Keyboard Key  Transparent Background Transparent PNG - 1024x951 - Free Download on NicePNG">
+              <a:extLst>
+                <a:ext uri="{FF2B5EF4-FFF2-40B4-BE49-F238E27FC236}">
+                  <a16:creationId xmlns:a16="http://schemas.microsoft.com/office/drawing/2014/main" id="{686B238A-482D-4D0D-BC94-5672ED1894F6}"/>
+                </a:ext>
+              </a:extLst>
+            </p:cNvPr>
+            <p:cNvPicPr>
+              <a:picLocks noChangeAspect="1" noChangeArrowheads="1"/>
+            </p:cNvPicPr>
+            <p:nvPr/>
+          </p:nvPicPr>
+          <p:blipFill>
+            <a:blip r:embed="rId2">
+              <a:extLst>
+                <a:ext uri="{BEBA8EAE-BF5A-486C-A8C5-ECC9F3942E4B}">
+                  <a14:imgProps xmlns:a14="http://schemas.microsoft.com/office/drawing/2010/main">
+                    <a14:imgLayer r:embed="rId3">
+                      <a14:imgEffect>
+                        <a14:backgroundRemoval t="5368" b="89888" l="8049" r="90732">
+                          <a14:foregroundMark x1="85488" y1="17728" x2="85488" y2="17728"/>
+                          <a14:foregroundMark x1="79024" y1="7740" x2="79024" y2="7740"/>
+                          <a14:foregroundMark x1="80976" y1="74532" x2="80976" y2="74532"/>
+                        </a14:backgroundRemoval>
+                      </a14:imgEffect>
+                    </a14:imgLayer>
+                  </a14:imgProps>
+                </a:ext>
+                <a:ext uri="{28A0092B-C50C-407E-A947-70E740481C1C}">
+                  <a14:useLocalDpi xmlns:a14="http://schemas.microsoft.com/office/drawing/2010/main" val="0"/>
+                </a:ext>
+              </a:extLst>
+            </a:blip>
+            <a:srcRect/>
+            <a:stretch>
+              <a:fillRect/>
+            </a:stretch>
+          </p:blipFill>
+          <p:spPr bwMode="auto">
+            <a:xfrm>
+              <a:off x="962286" y="3941176"/>
+              <a:ext cx="3144416" cy="1761174"/>
+            </a:xfrm>
+            <a:prstGeom prst="rect">
+              <a:avLst/>
+            </a:prstGeom>
+            <a:noFill/>
+            <a:extLst>
+              <a:ext uri="{909E8E84-426E-40DD-AFC4-6F175D3DCCD1}">
+                <a14:hiddenFill xmlns:a14="http://schemas.microsoft.com/office/drawing/2010/main">
+                  <a:solidFill>
+                    <a:srgbClr val="FFFFFF"/>
+                  </a:solidFill>
+                </a14:hiddenFill>
+              </a:ext>
+            </a:extLst>
+          </p:spPr>
+        </p:pic>
+        <p:sp>
+          <p:nvSpPr>
+            <p:cNvPr id="36" name="תיבת טקסט 35">
+              <a:extLst>
+                <a:ext uri="{FF2B5EF4-FFF2-40B4-BE49-F238E27FC236}">
+                  <a16:creationId xmlns:a16="http://schemas.microsoft.com/office/drawing/2014/main" id="{03E262F6-B270-42F2-88C6-DA7933B4891B}"/>
+                </a:ext>
+              </a:extLst>
+            </p:cNvPr>
+            <p:cNvSpPr txBox="1"/>
+            <p:nvPr/>
+          </p:nvSpPr>
+          <p:spPr>
+            <a:xfrm>
+              <a:off x="1995917" y="4331929"/>
+              <a:ext cx="1077153" cy="769441"/>
+            </a:xfrm>
+            <a:prstGeom prst="rect">
+              <a:avLst/>
+            </a:prstGeom>
+            <a:noFill/>
+          </p:spPr>
+          <p:txBody>
+            <a:bodyPr wrap="square" rtlCol="0">
+              <a:spAutoFit/>
+            </a:bodyPr>
+            <a:lstStyle/>
+            <a:p>
+              <a:r>
+                <a:rPr lang="en-US" sz="4400" dirty="0">
+                  <a:latin typeface="Arial Black" panose="020B0A04020102020204" pitchFamily="34" charset="0"/>
+                </a:rPr>
+                <a:t>Z</a:t>
+              </a:r>
+            </a:p>
+          </p:txBody>
+        </p:sp>
+      </p:grpSp>
     </p:spTree>
     <p:extLst>
       <p:ext uri="{BB962C8B-B14F-4D97-AF65-F5344CB8AC3E}">

--- a/Assets/Etc/Textures.pptx
+++ b/Assets/Etc/Textures.pptx
@@ -6,8 +6,10 @@
   </p:sldMasterIdLst>
   <p:sldIdLst>
     <p:sldId id="256" r:id="rId2"/>
-    <p:sldId id="257" r:id="rId3"/>
-    <p:sldId id="258" r:id="rId4"/>
+    <p:sldId id="259" r:id="rId3"/>
+    <p:sldId id="257" r:id="rId4"/>
+    <p:sldId id="258" r:id="rId5"/>
+    <p:sldId id="260" r:id="rId6"/>
   </p:sldIdLst>
   <p:sldSz cx="12192000" cy="6858000"/>
   <p:notesSz cx="6858000" cy="9144000"/>
@@ -263,7 +265,7 @@
           <a:p>
             <a:fld id="{6524AA6A-33AF-41C8-84C7-4073CA180999}" type="datetimeFigureOut">
               <a:rPr lang="en-US" smtClean="0"/>
-              <a:t>9/20/2021</a:t>
+              <a:t>9/27/2021</a:t>
             </a:fld>
             <a:endParaRPr lang="en-US"/>
           </a:p>
@@ -463,7 +465,7 @@
           <a:p>
             <a:fld id="{6524AA6A-33AF-41C8-84C7-4073CA180999}" type="datetimeFigureOut">
               <a:rPr lang="en-US" smtClean="0"/>
-              <a:t>9/20/2021</a:t>
+              <a:t>9/27/2021</a:t>
             </a:fld>
             <a:endParaRPr lang="en-US"/>
           </a:p>
@@ -673,7 +675,7 @@
           <a:p>
             <a:fld id="{6524AA6A-33AF-41C8-84C7-4073CA180999}" type="datetimeFigureOut">
               <a:rPr lang="en-US" smtClean="0"/>
-              <a:t>9/20/2021</a:t>
+              <a:t>9/27/2021</a:t>
             </a:fld>
             <a:endParaRPr lang="en-US"/>
           </a:p>
@@ -873,7 +875,7 @@
           <a:p>
             <a:fld id="{6524AA6A-33AF-41C8-84C7-4073CA180999}" type="datetimeFigureOut">
               <a:rPr lang="en-US" smtClean="0"/>
-              <a:t>9/20/2021</a:t>
+              <a:t>9/27/2021</a:t>
             </a:fld>
             <a:endParaRPr lang="en-US"/>
           </a:p>
@@ -1149,7 +1151,7 @@
           <a:p>
             <a:fld id="{6524AA6A-33AF-41C8-84C7-4073CA180999}" type="datetimeFigureOut">
               <a:rPr lang="en-US" smtClean="0"/>
-              <a:t>9/20/2021</a:t>
+              <a:t>9/27/2021</a:t>
             </a:fld>
             <a:endParaRPr lang="en-US"/>
           </a:p>
@@ -1417,7 +1419,7 @@
           <a:p>
             <a:fld id="{6524AA6A-33AF-41C8-84C7-4073CA180999}" type="datetimeFigureOut">
               <a:rPr lang="en-US" smtClean="0"/>
-              <a:t>9/20/2021</a:t>
+              <a:t>9/27/2021</a:t>
             </a:fld>
             <a:endParaRPr lang="en-US"/>
           </a:p>
@@ -1832,7 +1834,7 @@
           <a:p>
             <a:fld id="{6524AA6A-33AF-41C8-84C7-4073CA180999}" type="datetimeFigureOut">
               <a:rPr lang="en-US" smtClean="0"/>
-              <a:t>9/20/2021</a:t>
+              <a:t>9/27/2021</a:t>
             </a:fld>
             <a:endParaRPr lang="en-US"/>
           </a:p>
@@ -1974,7 +1976,7 @@
           <a:p>
             <a:fld id="{6524AA6A-33AF-41C8-84C7-4073CA180999}" type="datetimeFigureOut">
               <a:rPr lang="en-US" smtClean="0"/>
-              <a:t>9/20/2021</a:t>
+              <a:t>9/27/2021</a:t>
             </a:fld>
             <a:endParaRPr lang="en-US"/>
           </a:p>
@@ -2087,7 +2089,7 @@
           <a:p>
             <a:fld id="{6524AA6A-33AF-41C8-84C7-4073CA180999}" type="datetimeFigureOut">
               <a:rPr lang="en-US" smtClean="0"/>
-              <a:t>9/20/2021</a:t>
+              <a:t>9/27/2021</a:t>
             </a:fld>
             <a:endParaRPr lang="en-US"/>
           </a:p>
@@ -2400,7 +2402,7 @@
           <a:p>
             <a:fld id="{6524AA6A-33AF-41C8-84C7-4073CA180999}" type="datetimeFigureOut">
               <a:rPr lang="en-US" smtClean="0"/>
-              <a:t>9/20/2021</a:t>
+              <a:t>9/27/2021</a:t>
             </a:fld>
             <a:endParaRPr lang="en-US"/>
           </a:p>
@@ -2689,7 +2691,7 @@
           <a:p>
             <a:fld id="{6524AA6A-33AF-41C8-84C7-4073CA180999}" type="datetimeFigureOut">
               <a:rPr lang="en-US" smtClean="0"/>
-              <a:t>9/20/2021</a:t>
+              <a:t>9/27/2021</a:t>
             </a:fld>
             <a:endParaRPr lang="en-US"/>
           </a:p>
@@ -2932,7 +2934,7 @@
           <a:p>
             <a:fld id="{6524AA6A-33AF-41C8-84C7-4073CA180999}" type="datetimeFigureOut">
               <a:rPr lang="en-US" smtClean="0"/>
-              <a:t>9/20/2021</a:t>
+              <a:t>9/27/2021</a:t>
             </a:fld>
             <a:endParaRPr lang="en-US"/>
           </a:p>
@@ -3520,7 +3522,7 @@
         </p:nvSpPr>
         <p:spPr>
           <a:xfrm>
-            <a:off x="3783506" y="3925319"/>
+            <a:off x="3783506" y="3623419"/>
             <a:ext cx="4624984" cy="1200329"/>
           </a:xfrm>
           <a:prstGeom prst="rect">
@@ -3547,6 +3549,51 @@
                 <a:latin typeface="Grange" panose="04000603030000020004" pitchFamily="82" charset="0"/>
               </a:rPr>
               <a:t>Level up</a:t>
+            </a:r>
+          </a:p>
+        </p:txBody>
+      </p:sp>
+      <p:sp>
+        <p:nvSpPr>
+          <p:cNvPr id="6" name="תיבת טקסט 5">
+            <a:extLst>
+              <a:ext uri="{FF2B5EF4-FFF2-40B4-BE49-F238E27FC236}">
+                <a16:creationId xmlns:a16="http://schemas.microsoft.com/office/drawing/2014/main" id="{52B26987-9291-4EF0-AA42-E330DE76C13A}"/>
+              </a:ext>
+            </a:extLst>
+          </p:cNvPr>
+          <p:cNvSpPr txBox="1"/>
+          <p:nvPr/>
+        </p:nvSpPr>
+        <p:spPr>
+          <a:xfrm>
+            <a:off x="2038638" y="5035074"/>
+            <a:ext cx="8797600" cy="1200329"/>
+          </a:xfrm>
+          <a:prstGeom prst="rect">
+            <a:avLst/>
+          </a:prstGeom>
+          <a:noFill/>
+        </p:spPr>
+        <p:txBody>
+          <a:bodyPr wrap="none" rtlCol="0">
+            <a:spAutoFit/>
+          </a:bodyPr>
+          <a:lstStyle/>
+          <a:p>
+            <a:r>
+              <a:rPr lang="en-US" sz="7200" dirty="0">
+                <a:ln w="38100">
+                  <a:solidFill>
+                    <a:sysClr val="windowText" lastClr="000000"/>
+                  </a:solidFill>
+                </a:ln>
+                <a:solidFill>
+                  <a:srgbClr val="FFFF00"/>
+                </a:solidFill>
+                <a:latin typeface="Grange" panose="04000603030000020004" pitchFamily="82" charset="0"/>
+              </a:rPr>
+              <a:t>Quest Complete</a:t>
             </a:r>
           </a:p>
         </p:txBody>
@@ -3581,6 +3628,216 @@
           <a:chExt cx="0" cy="0"/>
         </a:xfrm>
       </p:grpSpPr>
+      <p:sp>
+        <p:nvSpPr>
+          <p:cNvPr id="7" name="תיבת טקסט 6">
+            <a:extLst>
+              <a:ext uri="{FF2B5EF4-FFF2-40B4-BE49-F238E27FC236}">
+                <a16:creationId xmlns:a16="http://schemas.microsoft.com/office/drawing/2014/main" id="{2DC158FB-0D62-43F2-BF16-43C446ABDF60}"/>
+              </a:ext>
+            </a:extLst>
+          </p:cNvPr>
+          <p:cNvSpPr txBox="1"/>
+          <p:nvPr/>
+        </p:nvSpPr>
+        <p:spPr>
+          <a:xfrm>
+            <a:off x="3702526" y="959954"/>
+            <a:ext cx="4681089" cy="1200329"/>
+          </a:xfrm>
+          <a:prstGeom prst="rect">
+            <a:avLst/>
+          </a:prstGeom>
+          <a:noFill/>
+        </p:spPr>
+        <p:txBody>
+          <a:bodyPr wrap="none" rtlCol="0">
+            <a:spAutoFit/>
+          </a:bodyPr>
+          <a:lstStyle/>
+          <a:p>
+            <a:r>
+              <a:rPr lang="en-US" sz="7200" dirty="0">
+                <a:ln w="38100">
+                  <a:solidFill>
+                    <a:sysClr val="windowText" lastClr="000000"/>
+                  </a:solidFill>
+                </a:ln>
+                <a:solidFill>
+                  <a:srgbClr val="FFFF00"/>
+                </a:solidFill>
+                <a:latin typeface="Grange" panose="04000603030000020004" pitchFamily="82" charset="0"/>
+              </a:rPr>
+              <a:t>Loading.</a:t>
+            </a:r>
+          </a:p>
+        </p:txBody>
+      </p:sp>
+      <p:sp>
+        <p:nvSpPr>
+          <p:cNvPr id="10" name="תיבת טקסט 9">
+            <a:extLst>
+              <a:ext uri="{FF2B5EF4-FFF2-40B4-BE49-F238E27FC236}">
+                <a16:creationId xmlns:a16="http://schemas.microsoft.com/office/drawing/2014/main" id="{22D88AD7-B0C8-4378-9919-C23E42A46C8E}"/>
+              </a:ext>
+            </a:extLst>
+          </p:cNvPr>
+          <p:cNvSpPr txBox="1"/>
+          <p:nvPr/>
+        </p:nvSpPr>
+        <p:spPr>
+          <a:xfrm>
+            <a:off x="3702526" y="1883031"/>
+            <a:ext cx="4958410" cy="1200329"/>
+          </a:xfrm>
+          <a:prstGeom prst="rect">
+            <a:avLst/>
+          </a:prstGeom>
+          <a:noFill/>
+        </p:spPr>
+        <p:txBody>
+          <a:bodyPr wrap="none" rtlCol="0">
+            <a:spAutoFit/>
+          </a:bodyPr>
+          <a:lstStyle/>
+          <a:p>
+            <a:r>
+              <a:rPr lang="en-US" sz="7200" dirty="0">
+                <a:ln w="38100">
+                  <a:solidFill>
+                    <a:sysClr val="windowText" lastClr="000000"/>
+                  </a:solidFill>
+                </a:ln>
+                <a:solidFill>
+                  <a:srgbClr val="FFFF00"/>
+                </a:solidFill>
+                <a:latin typeface="Grange" panose="04000603030000020004" pitchFamily="82" charset="0"/>
+              </a:rPr>
+              <a:t>Loading..</a:t>
+            </a:r>
+          </a:p>
+        </p:txBody>
+      </p:sp>
+      <p:sp>
+        <p:nvSpPr>
+          <p:cNvPr id="11" name="תיבת טקסט 10">
+            <a:extLst>
+              <a:ext uri="{FF2B5EF4-FFF2-40B4-BE49-F238E27FC236}">
+                <a16:creationId xmlns:a16="http://schemas.microsoft.com/office/drawing/2014/main" id="{72029129-3F00-4B44-A31C-B8B78B0EE823}"/>
+              </a:ext>
+            </a:extLst>
+          </p:cNvPr>
+          <p:cNvSpPr txBox="1"/>
+          <p:nvPr/>
+        </p:nvSpPr>
+        <p:spPr>
+          <a:xfrm>
+            <a:off x="5606763" y="3579223"/>
+            <a:ext cx="611157" cy="1569660"/>
+          </a:xfrm>
+          <a:prstGeom prst="rect">
+            <a:avLst/>
+          </a:prstGeom>
+          <a:noFill/>
+        </p:spPr>
+        <p:txBody>
+          <a:bodyPr wrap="square" rtlCol="0">
+            <a:spAutoFit/>
+          </a:bodyPr>
+          <a:lstStyle/>
+          <a:p>
+            <a:r>
+              <a:rPr lang="en-US" sz="9600" dirty="0">
+                <a:ln w="38100">
+                  <a:solidFill>
+                    <a:sysClr val="windowText" lastClr="000000"/>
+                  </a:solidFill>
+                </a:ln>
+                <a:solidFill>
+                  <a:srgbClr val="FFFF00"/>
+                </a:solidFill>
+                <a:latin typeface="Grange" panose="04000603030000020004" pitchFamily="82" charset="0"/>
+              </a:rPr>
+              <a:t>!</a:t>
+            </a:r>
+          </a:p>
+        </p:txBody>
+      </p:sp>
+      <p:sp>
+        <p:nvSpPr>
+          <p:cNvPr id="12" name="תיבת טקסט 11">
+            <a:extLst>
+              <a:ext uri="{FF2B5EF4-FFF2-40B4-BE49-F238E27FC236}">
+                <a16:creationId xmlns:a16="http://schemas.microsoft.com/office/drawing/2014/main" id="{4B5857C6-3A97-45E4-AB72-601C0BC5C8D6}"/>
+              </a:ext>
+            </a:extLst>
+          </p:cNvPr>
+          <p:cNvSpPr txBox="1"/>
+          <p:nvPr/>
+        </p:nvSpPr>
+        <p:spPr>
+          <a:xfrm>
+            <a:off x="3702526" y="101142"/>
+            <a:ext cx="4403770" cy="1200329"/>
+          </a:xfrm>
+          <a:prstGeom prst="rect">
+            <a:avLst/>
+          </a:prstGeom>
+          <a:noFill/>
+        </p:spPr>
+        <p:txBody>
+          <a:bodyPr wrap="none" rtlCol="0">
+            <a:spAutoFit/>
+          </a:bodyPr>
+          <a:lstStyle/>
+          <a:p>
+            <a:r>
+              <a:rPr lang="en-US" sz="7200" dirty="0">
+                <a:ln w="38100">
+                  <a:solidFill>
+                    <a:sysClr val="windowText" lastClr="000000"/>
+                  </a:solidFill>
+                </a:ln>
+                <a:solidFill>
+                  <a:srgbClr val="FFFF00"/>
+                </a:solidFill>
+                <a:latin typeface="Grange" panose="04000603030000020004" pitchFamily="82" charset="0"/>
+              </a:rPr>
+              <a:t>Loading</a:t>
+            </a:r>
+          </a:p>
+        </p:txBody>
+      </p:sp>
+    </p:spTree>
+    <p:extLst>
+      <p:ext uri="{BB962C8B-B14F-4D97-AF65-F5344CB8AC3E}">
+        <p14:creationId xmlns:p14="http://schemas.microsoft.com/office/powerpoint/2010/main" val="355294381"/>
+      </p:ext>
+    </p:extLst>
+  </p:cSld>
+  <p:clrMapOvr>
+    <a:masterClrMapping/>
+  </p:clrMapOvr>
+</p:sld>
+</file>
+
+<file path=ppt/slides/slide3.xml><?xml version="1.0" encoding="utf-8"?>
+<p:sld xmlns:a="http://schemas.openxmlformats.org/drawingml/2006/main" xmlns:r="http://schemas.openxmlformats.org/officeDocument/2006/relationships" xmlns:p="http://schemas.openxmlformats.org/presentationml/2006/main">
+  <p:cSld>
+    <p:spTree>
+      <p:nvGrpSpPr>
+        <p:cNvPr id="1" name=""/>
+        <p:cNvGrpSpPr/>
+        <p:nvPr/>
+      </p:nvGrpSpPr>
+      <p:grpSpPr>
+        <a:xfrm>
+          <a:off x="0" y="0"/>
+          <a:ext cx="0" cy="0"/>
+          <a:chOff x="0" y="0"/>
+          <a:chExt cx="0" cy="0"/>
+        </a:xfrm>
+      </p:grpSpPr>
       <p:pic>
         <p:nvPicPr>
           <p:cNvPr id="6" name="תמונה 5">
@@ -3630,7 +3887,7 @@
 </p:sld>
 </file>
 
-<file path=ppt/slides/slide3.xml><?xml version="1.0" encoding="utf-8"?>
+<file path=ppt/slides/slide4.xml><?xml version="1.0" encoding="utf-8"?>
 <p:sld xmlns:a="http://schemas.openxmlformats.org/drawingml/2006/main" xmlns:r="http://schemas.openxmlformats.org/officeDocument/2006/relationships" xmlns:p="http://schemas.openxmlformats.org/presentationml/2006/main">
   <p:cSld>
     <p:bg>
@@ -4973,6 +5230,449 @@
     <p:extLst>
       <p:ext uri="{BB962C8B-B14F-4D97-AF65-F5344CB8AC3E}">
         <p14:creationId xmlns:p14="http://schemas.microsoft.com/office/powerpoint/2010/main" val="3649742"/>
+      </p:ext>
+    </p:extLst>
+  </p:cSld>
+  <p:clrMapOvr>
+    <a:masterClrMapping/>
+  </p:clrMapOvr>
+</p:sld>
+</file>
+
+<file path=ppt/slides/slide5.xml><?xml version="1.0" encoding="utf-8"?>
+<p:sld xmlns:a="http://schemas.openxmlformats.org/drawingml/2006/main" xmlns:r="http://schemas.openxmlformats.org/officeDocument/2006/relationships" xmlns:p="http://schemas.openxmlformats.org/presentationml/2006/main">
+  <p:cSld>
+    <p:spTree>
+      <p:nvGrpSpPr>
+        <p:cNvPr id="1" name=""/>
+        <p:cNvGrpSpPr/>
+        <p:nvPr/>
+      </p:nvGrpSpPr>
+      <p:grpSpPr>
+        <a:xfrm>
+          <a:off x="0" y="0"/>
+          <a:ext cx="0" cy="0"/>
+          <a:chOff x="0" y="0"/>
+          <a:chExt cx="0" cy="0"/>
+        </a:xfrm>
+      </p:grpSpPr>
+      <p:pic>
+        <p:nvPicPr>
+          <p:cNvPr id="75" name="תמונה 74">
+            <a:extLst>
+              <a:ext uri="{FF2B5EF4-FFF2-40B4-BE49-F238E27FC236}">
+                <a16:creationId xmlns:a16="http://schemas.microsoft.com/office/drawing/2014/main" id="{2E98D6DF-16B2-47A9-BD51-90B77BE9652B}"/>
+              </a:ext>
+            </a:extLst>
+          </p:cNvPr>
+          <p:cNvPicPr>
+            <a:picLocks noChangeAspect="1"/>
+          </p:cNvPicPr>
+          <p:nvPr/>
+        </p:nvPicPr>
+        <p:blipFill>
+          <a:blip r:embed="rId2">
+            <a:extLst>
+              <a:ext uri="{BEBA8EAE-BF5A-486C-A8C5-ECC9F3942E4B}">
+                <a14:imgProps xmlns:a14="http://schemas.microsoft.com/office/drawing/2010/main">
+                  <a14:imgLayer r:embed="rId3">
+                    <a14:imgEffect>
+                      <a14:backgroundRemoval t="292" b="99417" l="0" r="99241">
+                        <a14:foregroundMark x1="7848" y1="5831" x2="7848" y2="5831"/>
+                        <a14:foregroundMark x1="4051" y1="3207" x2="4051" y2="3207"/>
+                        <a14:foregroundMark x1="3797" y1="4082" x2="1266" y2="2332"/>
+                        <a14:foregroundMark x1="1266" y1="2624" x2="0" y2="1166"/>
+                        <a14:foregroundMark x1="96962" y1="39942" x2="96962" y2="39942"/>
+                        <a14:foregroundMark x1="98481" y1="40816" x2="98481" y2="40816"/>
+                        <a14:foregroundMark x1="52658" y1="98542" x2="52658" y2="98542"/>
+                        <a14:foregroundMark x1="253" y1="583" x2="253" y2="583"/>
+                        <a14:foregroundMark x1="759" y1="1749" x2="759" y2="1749"/>
+                        <a14:foregroundMark x1="98734" y1="40233" x2="98734" y2="40233"/>
+                        <a14:foregroundMark x1="99241" y1="40233" x2="99241" y2="40233"/>
+                        <a14:foregroundMark x1="53165" y1="99125" x2="53165" y2="99125"/>
+                        <a14:foregroundMark x1="52658" y1="99125" x2="52658" y2="99125"/>
+                        <a14:foregroundMark x1="52658" y1="99417" x2="52658" y2="99417"/>
+                      </a14:backgroundRemoval>
+                    </a14:imgEffect>
+                  </a14:imgLayer>
+                </a14:imgProps>
+              </a:ext>
+            </a:extLst>
+          </a:blip>
+          <a:stretch>
+            <a:fillRect/>
+          </a:stretch>
+        </p:blipFill>
+        <p:spPr>
+          <a:xfrm>
+            <a:off x="5714999" y="1555908"/>
+            <a:ext cx="3762375" cy="3267075"/>
+          </a:xfrm>
+          <a:prstGeom prst="rect">
+            <a:avLst/>
+          </a:prstGeom>
+        </p:spPr>
+      </p:pic>
+      <p:cxnSp>
+        <p:nvCxnSpPr>
+          <p:cNvPr id="77" name="מחבר ישר 76">
+            <a:extLst>
+              <a:ext uri="{FF2B5EF4-FFF2-40B4-BE49-F238E27FC236}">
+                <a16:creationId xmlns:a16="http://schemas.microsoft.com/office/drawing/2014/main" id="{793D03C5-EBDD-4B0D-9129-9DC8E375D2DE}"/>
+              </a:ext>
+            </a:extLst>
+          </p:cNvPr>
+          <p:cNvCxnSpPr>
+            <a:cxnSpLocks/>
+          </p:cNvCxnSpPr>
+          <p:nvPr/>
+        </p:nvCxnSpPr>
+        <p:spPr>
+          <a:xfrm>
+            <a:off x="5738889" y="1587500"/>
+            <a:ext cx="3761822" cy="1282700"/>
+          </a:xfrm>
+          <a:prstGeom prst="line">
+            <a:avLst/>
+          </a:prstGeom>
+          <a:ln w="57150">
+            <a:solidFill>
+              <a:schemeClr val="tx1"/>
+            </a:solidFill>
+          </a:ln>
+        </p:spPr>
+        <p:style>
+          <a:lnRef idx="1">
+            <a:schemeClr val="accent1"/>
+          </a:lnRef>
+          <a:fillRef idx="0">
+            <a:schemeClr val="accent1"/>
+          </a:fillRef>
+          <a:effectRef idx="0">
+            <a:schemeClr val="accent1"/>
+          </a:effectRef>
+          <a:fontRef idx="minor">
+            <a:schemeClr val="tx1"/>
+          </a:fontRef>
+        </p:style>
+      </p:cxnSp>
+      <p:cxnSp>
+        <p:nvCxnSpPr>
+          <p:cNvPr id="78" name="מחבר ישר 77">
+            <a:extLst>
+              <a:ext uri="{FF2B5EF4-FFF2-40B4-BE49-F238E27FC236}">
+                <a16:creationId xmlns:a16="http://schemas.microsoft.com/office/drawing/2014/main" id="{9AF518FC-1A51-4EFB-944C-50ADEFBCAD19}"/>
+              </a:ext>
+            </a:extLst>
+          </p:cNvPr>
+          <p:cNvCxnSpPr>
+            <a:cxnSpLocks/>
+          </p:cNvCxnSpPr>
+          <p:nvPr/>
+        </p:nvCxnSpPr>
+        <p:spPr>
+          <a:xfrm flipV="1">
+            <a:off x="7820025" y="2857500"/>
+            <a:ext cx="1673542" cy="546100"/>
+          </a:xfrm>
+          <a:prstGeom prst="line">
+            <a:avLst/>
+          </a:prstGeom>
+          <a:ln w="57150">
+            <a:solidFill>
+              <a:schemeClr val="tx1"/>
+            </a:solidFill>
+          </a:ln>
+        </p:spPr>
+        <p:style>
+          <a:lnRef idx="1">
+            <a:schemeClr val="accent1"/>
+          </a:lnRef>
+          <a:fillRef idx="0">
+            <a:schemeClr val="accent1"/>
+          </a:fillRef>
+          <a:effectRef idx="0">
+            <a:schemeClr val="accent1"/>
+          </a:effectRef>
+          <a:fontRef idx="minor">
+            <a:schemeClr val="tx1"/>
+          </a:fontRef>
+        </p:style>
+      </p:cxnSp>
+      <p:cxnSp>
+        <p:nvCxnSpPr>
+          <p:cNvPr id="81" name="מחבר ישר 80">
+            <a:extLst>
+              <a:ext uri="{FF2B5EF4-FFF2-40B4-BE49-F238E27FC236}">
+                <a16:creationId xmlns:a16="http://schemas.microsoft.com/office/drawing/2014/main" id="{5B7D937D-2B42-4DB4-AC1E-CBFE852C3169}"/>
+              </a:ext>
+            </a:extLst>
+          </p:cNvPr>
+          <p:cNvCxnSpPr>
+            <a:cxnSpLocks/>
+          </p:cNvCxnSpPr>
+          <p:nvPr/>
+        </p:nvCxnSpPr>
+        <p:spPr>
+          <a:xfrm flipH="1">
+            <a:off x="7724775" y="3403600"/>
+            <a:ext cx="95251" cy="1397000"/>
+          </a:xfrm>
+          <a:prstGeom prst="line">
+            <a:avLst/>
+          </a:prstGeom>
+          <a:ln w="57150">
+            <a:solidFill>
+              <a:schemeClr val="tx1"/>
+            </a:solidFill>
+          </a:ln>
+        </p:spPr>
+        <p:style>
+          <a:lnRef idx="1">
+            <a:schemeClr val="accent1"/>
+          </a:lnRef>
+          <a:fillRef idx="0">
+            <a:schemeClr val="accent1"/>
+          </a:fillRef>
+          <a:effectRef idx="0">
+            <a:schemeClr val="accent1"/>
+          </a:effectRef>
+          <a:fontRef idx="minor">
+            <a:schemeClr val="tx1"/>
+          </a:fontRef>
+        </p:style>
+      </p:cxnSp>
+      <p:cxnSp>
+        <p:nvCxnSpPr>
+          <p:cNvPr id="89" name="מחבר ישר 88">
+            <a:extLst>
+              <a:ext uri="{FF2B5EF4-FFF2-40B4-BE49-F238E27FC236}">
+                <a16:creationId xmlns:a16="http://schemas.microsoft.com/office/drawing/2014/main" id="{FA4F0DB0-D4D9-4DF6-A2A3-A8A40087B22C}"/>
+              </a:ext>
+            </a:extLst>
+          </p:cNvPr>
+          <p:cNvCxnSpPr>
+            <a:cxnSpLocks/>
+          </p:cNvCxnSpPr>
+          <p:nvPr/>
+        </p:nvCxnSpPr>
+        <p:spPr>
+          <a:xfrm>
+            <a:off x="5738888" y="1587500"/>
+            <a:ext cx="1976362" cy="3232150"/>
+          </a:xfrm>
+          <a:prstGeom prst="line">
+            <a:avLst/>
+          </a:prstGeom>
+          <a:ln w="57150">
+            <a:solidFill>
+              <a:schemeClr val="tx1"/>
+            </a:solidFill>
+          </a:ln>
+        </p:spPr>
+        <p:style>
+          <a:lnRef idx="1">
+            <a:schemeClr val="accent1"/>
+          </a:lnRef>
+          <a:fillRef idx="0">
+            <a:schemeClr val="accent1"/>
+          </a:fillRef>
+          <a:effectRef idx="0">
+            <a:schemeClr val="accent1"/>
+          </a:effectRef>
+          <a:fontRef idx="minor">
+            <a:schemeClr val="tx1"/>
+          </a:fontRef>
+        </p:style>
+      </p:cxnSp>
+      <p:sp>
+        <p:nvSpPr>
+          <p:cNvPr id="91" name="אליפסה 90">
+            <a:extLst>
+              <a:ext uri="{FF2B5EF4-FFF2-40B4-BE49-F238E27FC236}">
+                <a16:creationId xmlns:a16="http://schemas.microsoft.com/office/drawing/2014/main" id="{6193981F-5A54-4671-84E3-03B464CBA83B}"/>
+              </a:ext>
+            </a:extLst>
+          </p:cNvPr>
+          <p:cNvSpPr/>
+          <p:nvPr/>
+        </p:nvSpPr>
+        <p:spPr>
+          <a:xfrm>
+            <a:off x="9435941" y="2833053"/>
+            <a:ext cx="64770" cy="64770"/>
+          </a:xfrm>
+          <a:prstGeom prst="ellipse">
+            <a:avLst/>
+          </a:prstGeom>
+        </p:spPr>
+        <p:style>
+          <a:lnRef idx="2">
+            <a:schemeClr val="dk1">
+              <a:shade val="50000"/>
+            </a:schemeClr>
+          </a:lnRef>
+          <a:fillRef idx="1">
+            <a:schemeClr val="dk1"/>
+          </a:fillRef>
+          <a:effectRef idx="0">
+            <a:schemeClr val="dk1"/>
+          </a:effectRef>
+          <a:fontRef idx="minor">
+            <a:schemeClr val="lt1"/>
+          </a:fontRef>
+        </p:style>
+        <p:txBody>
+          <a:bodyPr rtlCol="0" anchor="ctr"/>
+          <a:lstStyle/>
+          <a:p>
+            <a:pPr algn="ctr"/>
+            <a:endParaRPr lang="en-US"/>
+          </a:p>
+        </p:txBody>
+      </p:sp>
+      <p:sp>
+        <p:nvSpPr>
+          <p:cNvPr id="92" name="אליפסה 91">
+            <a:extLst>
+              <a:ext uri="{FF2B5EF4-FFF2-40B4-BE49-F238E27FC236}">
+                <a16:creationId xmlns:a16="http://schemas.microsoft.com/office/drawing/2014/main" id="{54FF7688-32E9-4899-9453-EF8014000F46}"/>
+              </a:ext>
+            </a:extLst>
+          </p:cNvPr>
+          <p:cNvSpPr/>
+          <p:nvPr/>
+        </p:nvSpPr>
+        <p:spPr>
+          <a:xfrm>
+            <a:off x="7685402" y="4772343"/>
+            <a:ext cx="64770" cy="64770"/>
+          </a:xfrm>
+          <a:prstGeom prst="ellipse">
+            <a:avLst/>
+          </a:prstGeom>
+        </p:spPr>
+        <p:style>
+          <a:lnRef idx="2">
+            <a:schemeClr val="dk1">
+              <a:shade val="50000"/>
+            </a:schemeClr>
+          </a:lnRef>
+          <a:fillRef idx="1">
+            <a:schemeClr val="dk1"/>
+          </a:fillRef>
+          <a:effectRef idx="0">
+            <a:schemeClr val="dk1"/>
+          </a:effectRef>
+          <a:fontRef idx="minor">
+            <a:schemeClr val="lt1"/>
+          </a:fontRef>
+        </p:style>
+        <p:txBody>
+          <a:bodyPr rtlCol="0" anchor="ctr"/>
+          <a:lstStyle/>
+          <a:p>
+            <a:pPr algn="ctr"/>
+            <a:endParaRPr lang="en-US"/>
+          </a:p>
+        </p:txBody>
+      </p:sp>
+      <p:sp>
+        <p:nvSpPr>
+          <p:cNvPr id="93" name="אליפסה 92">
+            <a:extLst>
+              <a:ext uri="{FF2B5EF4-FFF2-40B4-BE49-F238E27FC236}">
+                <a16:creationId xmlns:a16="http://schemas.microsoft.com/office/drawing/2014/main" id="{C8970FD6-C885-43F7-A5A1-B5FEDED59422}"/>
+              </a:ext>
+            </a:extLst>
+          </p:cNvPr>
+          <p:cNvSpPr/>
+          <p:nvPr/>
+        </p:nvSpPr>
+        <p:spPr>
+          <a:xfrm>
+            <a:off x="7787002" y="3375343"/>
+            <a:ext cx="64770" cy="64770"/>
+          </a:xfrm>
+          <a:prstGeom prst="ellipse">
+            <a:avLst/>
+          </a:prstGeom>
+        </p:spPr>
+        <p:style>
+          <a:lnRef idx="2">
+            <a:schemeClr val="dk1">
+              <a:shade val="50000"/>
+            </a:schemeClr>
+          </a:lnRef>
+          <a:fillRef idx="1">
+            <a:schemeClr val="dk1"/>
+          </a:fillRef>
+          <a:effectRef idx="0">
+            <a:schemeClr val="dk1"/>
+          </a:effectRef>
+          <a:fontRef idx="minor">
+            <a:schemeClr val="lt1"/>
+          </a:fontRef>
+        </p:style>
+        <p:txBody>
+          <a:bodyPr rtlCol="0" anchor="ctr"/>
+          <a:lstStyle/>
+          <a:p>
+            <a:pPr algn="ctr"/>
+            <a:endParaRPr lang="en-US"/>
+          </a:p>
+        </p:txBody>
+      </p:sp>
+      <p:sp>
+        <p:nvSpPr>
+          <p:cNvPr id="94" name="אליפסה 93">
+            <a:extLst>
+              <a:ext uri="{FF2B5EF4-FFF2-40B4-BE49-F238E27FC236}">
+                <a16:creationId xmlns:a16="http://schemas.microsoft.com/office/drawing/2014/main" id="{93FFCBC7-10ED-41FB-9FF0-EB43D78B2AD3}"/>
+              </a:ext>
+            </a:extLst>
+          </p:cNvPr>
+          <p:cNvSpPr/>
+          <p:nvPr/>
+        </p:nvSpPr>
+        <p:spPr>
+          <a:xfrm>
+            <a:off x="5718327" y="1560670"/>
+            <a:ext cx="58655" cy="58655"/>
+          </a:xfrm>
+          <a:prstGeom prst="ellipse">
+            <a:avLst/>
+          </a:prstGeom>
+        </p:spPr>
+        <p:style>
+          <a:lnRef idx="2">
+            <a:schemeClr val="dk1">
+              <a:shade val="50000"/>
+            </a:schemeClr>
+          </a:lnRef>
+          <a:fillRef idx="1">
+            <a:schemeClr val="dk1"/>
+          </a:fillRef>
+          <a:effectRef idx="0">
+            <a:schemeClr val="dk1"/>
+          </a:effectRef>
+          <a:fontRef idx="minor">
+            <a:schemeClr val="lt1"/>
+          </a:fontRef>
+        </p:style>
+        <p:txBody>
+          <a:bodyPr rtlCol="0" anchor="ctr"/>
+          <a:lstStyle/>
+          <a:p>
+            <a:pPr algn="just"/>
+            <a:endParaRPr lang="en-US" dirty="0"/>
+          </a:p>
+        </p:txBody>
+      </p:sp>
+    </p:spTree>
+    <p:extLst>
+      <p:ext uri="{BB962C8B-B14F-4D97-AF65-F5344CB8AC3E}">
+        <p14:creationId xmlns:p14="http://schemas.microsoft.com/office/powerpoint/2010/main" val="3119914051"/>
       </p:ext>
     </p:extLst>
   </p:cSld>

--- a/Assets/Etc/Textures.pptx
+++ b/Assets/Etc/Textures.pptx
@@ -265,7 +265,7 @@
           <a:p>
             <a:fld id="{6524AA6A-33AF-41C8-84C7-4073CA180999}" type="datetimeFigureOut">
               <a:rPr lang="en-US" smtClean="0"/>
-              <a:t>9/27/2021</a:t>
+              <a:t>10/13/2021</a:t>
             </a:fld>
             <a:endParaRPr lang="en-US"/>
           </a:p>
@@ -465,7 +465,7 @@
           <a:p>
             <a:fld id="{6524AA6A-33AF-41C8-84C7-4073CA180999}" type="datetimeFigureOut">
               <a:rPr lang="en-US" smtClean="0"/>
-              <a:t>9/27/2021</a:t>
+              <a:t>10/13/2021</a:t>
             </a:fld>
             <a:endParaRPr lang="en-US"/>
           </a:p>
@@ -675,7 +675,7 @@
           <a:p>
             <a:fld id="{6524AA6A-33AF-41C8-84C7-4073CA180999}" type="datetimeFigureOut">
               <a:rPr lang="en-US" smtClean="0"/>
-              <a:t>9/27/2021</a:t>
+              <a:t>10/13/2021</a:t>
             </a:fld>
             <a:endParaRPr lang="en-US"/>
           </a:p>
@@ -875,7 +875,7 @@
           <a:p>
             <a:fld id="{6524AA6A-33AF-41C8-84C7-4073CA180999}" type="datetimeFigureOut">
               <a:rPr lang="en-US" smtClean="0"/>
-              <a:t>9/27/2021</a:t>
+              <a:t>10/13/2021</a:t>
             </a:fld>
             <a:endParaRPr lang="en-US"/>
           </a:p>
@@ -1151,7 +1151,7 @@
           <a:p>
             <a:fld id="{6524AA6A-33AF-41C8-84C7-4073CA180999}" type="datetimeFigureOut">
               <a:rPr lang="en-US" smtClean="0"/>
-              <a:t>9/27/2021</a:t>
+              <a:t>10/13/2021</a:t>
             </a:fld>
             <a:endParaRPr lang="en-US"/>
           </a:p>
@@ -1419,7 +1419,7 @@
           <a:p>
             <a:fld id="{6524AA6A-33AF-41C8-84C7-4073CA180999}" type="datetimeFigureOut">
               <a:rPr lang="en-US" smtClean="0"/>
-              <a:t>9/27/2021</a:t>
+              <a:t>10/13/2021</a:t>
             </a:fld>
             <a:endParaRPr lang="en-US"/>
           </a:p>
@@ -1834,7 +1834,7 @@
           <a:p>
             <a:fld id="{6524AA6A-33AF-41C8-84C7-4073CA180999}" type="datetimeFigureOut">
               <a:rPr lang="en-US" smtClean="0"/>
-              <a:t>9/27/2021</a:t>
+              <a:t>10/13/2021</a:t>
             </a:fld>
             <a:endParaRPr lang="en-US"/>
           </a:p>
@@ -1976,7 +1976,7 @@
           <a:p>
             <a:fld id="{6524AA6A-33AF-41C8-84C7-4073CA180999}" type="datetimeFigureOut">
               <a:rPr lang="en-US" smtClean="0"/>
-              <a:t>9/27/2021</a:t>
+              <a:t>10/13/2021</a:t>
             </a:fld>
             <a:endParaRPr lang="en-US"/>
           </a:p>
@@ -2089,7 +2089,7 @@
           <a:p>
             <a:fld id="{6524AA6A-33AF-41C8-84C7-4073CA180999}" type="datetimeFigureOut">
               <a:rPr lang="en-US" smtClean="0"/>
-              <a:t>9/27/2021</a:t>
+              <a:t>10/13/2021</a:t>
             </a:fld>
             <a:endParaRPr lang="en-US"/>
           </a:p>
@@ -2402,7 +2402,7 @@
           <a:p>
             <a:fld id="{6524AA6A-33AF-41C8-84C7-4073CA180999}" type="datetimeFigureOut">
               <a:rPr lang="en-US" smtClean="0"/>
-              <a:t>9/27/2021</a:t>
+              <a:t>10/13/2021</a:t>
             </a:fld>
             <a:endParaRPr lang="en-US"/>
           </a:p>
@@ -2691,7 +2691,7 @@
           <a:p>
             <a:fld id="{6524AA6A-33AF-41C8-84C7-4073CA180999}" type="datetimeFigureOut">
               <a:rPr lang="en-US" smtClean="0"/>
-              <a:t>9/27/2021</a:t>
+              <a:t>10/13/2021</a:t>
             </a:fld>
             <a:endParaRPr lang="en-US"/>
           </a:p>
@@ -2934,7 +2934,7 @@
           <a:p>
             <a:fld id="{6524AA6A-33AF-41C8-84C7-4073CA180999}" type="datetimeFigureOut">
               <a:rPr lang="en-US" smtClean="0"/>
-              <a:t>9/27/2021</a:t>
+              <a:t>10/13/2021</a:t>
             </a:fld>
             <a:endParaRPr lang="en-US"/>
           </a:p>
@@ -3732,8 +3732,8 @@
         </p:nvSpPr>
         <p:spPr>
           <a:xfrm>
-            <a:off x="5606763" y="3579223"/>
-            <a:ext cx="611157" cy="1569660"/>
+            <a:off x="3211906" y="3664920"/>
+            <a:ext cx="1045029" cy="1569660"/>
           </a:xfrm>
           <a:prstGeom prst="rect">
             <a:avLst/>
@@ -3746,6 +3746,7 @@
           </a:bodyPr>
           <a:lstStyle/>
           <a:p>
+            <a:pPr algn="ctr"/>
             <a:r>
               <a:rPr lang="en-US" sz="9600" dirty="0">
                 <a:ln w="38100">
@@ -3804,6 +3805,96 @@
                 <a:latin typeface="Grange" panose="04000603030000020004" pitchFamily="82" charset="0"/>
               </a:rPr>
               <a:t>Loading</a:t>
+            </a:r>
+          </a:p>
+        </p:txBody>
+      </p:sp>
+      <p:sp>
+        <p:nvSpPr>
+          <p:cNvPr id="6" name="תיבת טקסט 5">
+            <a:extLst>
+              <a:ext uri="{FF2B5EF4-FFF2-40B4-BE49-F238E27FC236}">
+                <a16:creationId xmlns:a16="http://schemas.microsoft.com/office/drawing/2014/main" id="{659AF9DA-3410-4E06-8CFF-222CC33EE633}"/>
+              </a:ext>
+            </a:extLst>
+          </p:cNvPr>
+          <p:cNvSpPr txBox="1"/>
+          <p:nvPr/>
+        </p:nvSpPr>
+        <p:spPr>
+          <a:xfrm>
+            <a:off x="4929049" y="3664920"/>
+            <a:ext cx="1045029" cy="1569660"/>
+          </a:xfrm>
+          <a:prstGeom prst="rect">
+            <a:avLst/>
+          </a:prstGeom>
+          <a:noFill/>
+        </p:spPr>
+        <p:txBody>
+          <a:bodyPr wrap="square" rtlCol="0">
+            <a:spAutoFit/>
+          </a:bodyPr>
+          <a:lstStyle/>
+          <a:p>
+            <a:r>
+              <a:rPr lang="en-US" sz="9600" dirty="0">
+                <a:ln w="38100">
+                  <a:solidFill>
+                    <a:sysClr val="windowText" lastClr="000000"/>
+                  </a:solidFill>
+                </a:ln>
+                <a:solidFill>
+                  <a:srgbClr val="FFFF00"/>
+                </a:solidFill>
+                <a:latin typeface="Grange" panose="04000603030000020004" pitchFamily="82" charset="0"/>
+              </a:rPr>
+              <a:t>?</a:t>
+            </a:r>
+          </a:p>
+        </p:txBody>
+      </p:sp>
+      <p:sp>
+        <p:nvSpPr>
+          <p:cNvPr id="8" name="תיבת טקסט 7">
+            <a:extLst>
+              <a:ext uri="{FF2B5EF4-FFF2-40B4-BE49-F238E27FC236}">
+                <a16:creationId xmlns:a16="http://schemas.microsoft.com/office/drawing/2014/main" id="{6654CA43-3B56-45D7-9A0B-50F2EF7F339E}"/>
+              </a:ext>
+            </a:extLst>
+          </p:cNvPr>
+          <p:cNvSpPr txBox="1"/>
+          <p:nvPr/>
+        </p:nvSpPr>
+        <p:spPr>
+          <a:xfrm>
+            <a:off x="8752114" y="3625207"/>
+            <a:ext cx="1045029" cy="1200329"/>
+          </a:xfrm>
+          <a:prstGeom prst="rect">
+            <a:avLst/>
+          </a:prstGeom>
+          <a:noFill/>
+        </p:spPr>
+        <p:txBody>
+          <a:bodyPr wrap="square" rtlCol="0">
+            <a:spAutoFit/>
+          </a:bodyPr>
+          <a:lstStyle/>
+          <a:p>
+            <a:r>
+              <a:rPr lang="en-US" sz="7200" dirty="0">
+                <a:ln w="38100">
+                  <a:solidFill>
+                    <a:sysClr val="windowText" lastClr="000000"/>
+                  </a:solidFill>
+                </a:ln>
+                <a:solidFill>
+                  <a:srgbClr val="FFFF00"/>
+                </a:solidFill>
+                <a:latin typeface="Grange" panose="04000603030000020004" pitchFamily="82" charset="0"/>
+              </a:rPr>
+              <a:t>...</a:t>
             </a:r>
           </a:p>
         </p:txBody>

--- a/Assets/Etc/Textures.pptx
+++ b/Assets/Etc/Textures.pptx
@@ -265,7 +265,7 @@
           <a:p>
             <a:fld id="{6524AA6A-33AF-41C8-84C7-4073CA180999}" type="datetimeFigureOut">
               <a:rPr lang="en-US" smtClean="0"/>
-              <a:t>10/13/2021</a:t>
+              <a:t>10/19/2021</a:t>
             </a:fld>
             <a:endParaRPr lang="en-US"/>
           </a:p>
@@ -465,7 +465,7 @@
           <a:p>
             <a:fld id="{6524AA6A-33AF-41C8-84C7-4073CA180999}" type="datetimeFigureOut">
               <a:rPr lang="en-US" smtClean="0"/>
-              <a:t>10/13/2021</a:t>
+              <a:t>10/19/2021</a:t>
             </a:fld>
             <a:endParaRPr lang="en-US"/>
           </a:p>
@@ -675,7 +675,7 @@
           <a:p>
             <a:fld id="{6524AA6A-33AF-41C8-84C7-4073CA180999}" type="datetimeFigureOut">
               <a:rPr lang="en-US" smtClean="0"/>
-              <a:t>10/13/2021</a:t>
+              <a:t>10/19/2021</a:t>
             </a:fld>
             <a:endParaRPr lang="en-US"/>
           </a:p>
@@ -875,7 +875,7 @@
           <a:p>
             <a:fld id="{6524AA6A-33AF-41C8-84C7-4073CA180999}" type="datetimeFigureOut">
               <a:rPr lang="en-US" smtClean="0"/>
-              <a:t>10/13/2021</a:t>
+              <a:t>10/19/2021</a:t>
             </a:fld>
             <a:endParaRPr lang="en-US"/>
           </a:p>
@@ -1151,7 +1151,7 @@
           <a:p>
             <a:fld id="{6524AA6A-33AF-41C8-84C7-4073CA180999}" type="datetimeFigureOut">
               <a:rPr lang="en-US" smtClean="0"/>
-              <a:t>10/13/2021</a:t>
+              <a:t>10/19/2021</a:t>
             </a:fld>
             <a:endParaRPr lang="en-US"/>
           </a:p>
@@ -1419,7 +1419,7 @@
           <a:p>
             <a:fld id="{6524AA6A-33AF-41C8-84C7-4073CA180999}" type="datetimeFigureOut">
               <a:rPr lang="en-US" smtClean="0"/>
-              <a:t>10/13/2021</a:t>
+              <a:t>10/19/2021</a:t>
             </a:fld>
             <a:endParaRPr lang="en-US"/>
           </a:p>
@@ -1834,7 +1834,7 @@
           <a:p>
             <a:fld id="{6524AA6A-33AF-41C8-84C7-4073CA180999}" type="datetimeFigureOut">
               <a:rPr lang="en-US" smtClean="0"/>
-              <a:t>10/13/2021</a:t>
+              <a:t>10/19/2021</a:t>
             </a:fld>
             <a:endParaRPr lang="en-US"/>
           </a:p>
@@ -1976,7 +1976,7 @@
           <a:p>
             <a:fld id="{6524AA6A-33AF-41C8-84C7-4073CA180999}" type="datetimeFigureOut">
               <a:rPr lang="en-US" smtClean="0"/>
-              <a:t>10/13/2021</a:t>
+              <a:t>10/19/2021</a:t>
             </a:fld>
             <a:endParaRPr lang="en-US"/>
           </a:p>
@@ -2089,7 +2089,7 @@
           <a:p>
             <a:fld id="{6524AA6A-33AF-41C8-84C7-4073CA180999}" type="datetimeFigureOut">
               <a:rPr lang="en-US" smtClean="0"/>
-              <a:t>10/13/2021</a:t>
+              <a:t>10/19/2021</a:t>
             </a:fld>
             <a:endParaRPr lang="en-US"/>
           </a:p>
@@ -2402,7 +2402,7 @@
           <a:p>
             <a:fld id="{6524AA6A-33AF-41C8-84C7-4073CA180999}" type="datetimeFigureOut">
               <a:rPr lang="en-US" smtClean="0"/>
-              <a:t>10/13/2021</a:t>
+              <a:t>10/19/2021</a:t>
             </a:fld>
             <a:endParaRPr lang="en-US"/>
           </a:p>
@@ -2691,7 +2691,7 @@
           <a:p>
             <a:fld id="{6524AA6A-33AF-41C8-84C7-4073CA180999}" type="datetimeFigureOut">
               <a:rPr lang="en-US" smtClean="0"/>
-              <a:t>10/13/2021</a:t>
+              <a:t>10/19/2021</a:t>
             </a:fld>
             <a:endParaRPr lang="en-US"/>
           </a:p>
@@ -2934,7 +2934,7 @@
           <a:p>
             <a:fld id="{6524AA6A-33AF-41C8-84C7-4073CA180999}" type="datetimeFigureOut">
               <a:rPr lang="en-US" smtClean="0"/>
-              <a:t>10/13/2021</a:t>
+              <a:t>10/19/2021</a:t>
             </a:fld>
             <a:endParaRPr lang="en-US"/>
           </a:p>
@@ -5347,6 +5347,52 @@
           <a:chExt cx="0" cy="0"/>
         </a:xfrm>
       </p:grpSpPr>
+      <p:sp>
+        <p:nvSpPr>
+          <p:cNvPr id="3" name="מלבן 2">
+            <a:extLst>
+              <a:ext uri="{FF2B5EF4-FFF2-40B4-BE49-F238E27FC236}">
+                <a16:creationId xmlns:a16="http://schemas.microsoft.com/office/drawing/2014/main" id="{F1D97FA7-6DE4-4DDA-8B04-6D840DE362D5}"/>
+              </a:ext>
+            </a:extLst>
+          </p:cNvPr>
+          <p:cNvSpPr/>
+          <p:nvPr/>
+        </p:nvSpPr>
+        <p:spPr>
+          <a:xfrm>
+            <a:off x="209006" y="1323703"/>
+            <a:ext cx="5081995" cy="4110446"/>
+          </a:xfrm>
+          <a:prstGeom prst="rect">
+            <a:avLst/>
+          </a:prstGeom>
+        </p:spPr>
+        <p:style>
+          <a:lnRef idx="2">
+            <a:schemeClr val="accent1">
+              <a:shade val="50000"/>
+            </a:schemeClr>
+          </a:lnRef>
+          <a:fillRef idx="1">
+            <a:schemeClr val="accent1"/>
+          </a:fillRef>
+          <a:effectRef idx="0">
+            <a:schemeClr val="accent1"/>
+          </a:effectRef>
+          <a:fontRef idx="minor">
+            <a:schemeClr val="lt1"/>
+          </a:fontRef>
+        </p:style>
+        <p:txBody>
+          <a:bodyPr rtlCol="0" anchor="ctr"/>
+          <a:lstStyle/>
+          <a:p>
+            <a:pPr algn="ctr"/>
+            <a:endParaRPr lang="en-US"/>
+          </a:p>
+        </p:txBody>
+      </p:sp>
       <p:pic>
         <p:nvPicPr>
           <p:cNvPr id="75" name="תמונה 74">
@@ -5757,6 +5803,114 @@
           <a:p>
             <a:pPr algn="just"/>
             <a:endParaRPr lang="en-US" dirty="0"/>
+          </a:p>
+        </p:txBody>
+      </p:sp>
+      <p:sp>
+        <p:nvSpPr>
+          <p:cNvPr id="2" name="משולש שווה-שוקיים 1">
+            <a:extLst>
+              <a:ext uri="{FF2B5EF4-FFF2-40B4-BE49-F238E27FC236}">
+                <a16:creationId xmlns:a16="http://schemas.microsoft.com/office/drawing/2014/main" id="{31155881-AF66-4818-BDE9-A8379E419869}"/>
+              </a:ext>
+            </a:extLst>
+          </p:cNvPr>
+          <p:cNvSpPr/>
+          <p:nvPr/>
+        </p:nvSpPr>
+        <p:spPr>
+          <a:xfrm rot="5400000">
+            <a:off x="3319296" y="2664529"/>
+            <a:ext cx="1649088" cy="1421628"/>
+          </a:xfrm>
+          <a:prstGeom prst="triangle">
+            <a:avLst/>
+          </a:prstGeom>
+          <a:solidFill>
+            <a:schemeClr val="bg1"/>
+          </a:solidFill>
+          <a:ln>
+            <a:solidFill>
+              <a:schemeClr val="bg1"/>
+            </a:solidFill>
+          </a:ln>
+        </p:spPr>
+        <p:style>
+          <a:lnRef idx="2">
+            <a:schemeClr val="dk1">
+              <a:shade val="50000"/>
+            </a:schemeClr>
+          </a:lnRef>
+          <a:fillRef idx="1">
+            <a:schemeClr val="dk1"/>
+          </a:fillRef>
+          <a:effectRef idx="0">
+            <a:schemeClr val="dk1"/>
+          </a:effectRef>
+          <a:fontRef idx="minor">
+            <a:schemeClr val="lt1"/>
+          </a:fontRef>
+        </p:style>
+        <p:txBody>
+          <a:bodyPr rtlCol="0" anchor="ctr"/>
+          <a:lstStyle/>
+          <a:p>
+            <a:pPr algn="ctr"/>
+            <a:endParaRPr lang="en-US"/>
+          </a:p>
+        </p:txBody>
+      </p:sp>
+      <p:sp>
+        <p:nvSpPr>
+          <p:cNvPr id="12" name="משולש שווה-שוקיים 11">
+            <a:extLst>
+              <a:ext uri="{FF2B5EF4-FFF2-40B4-BE49-F238E27FC236}">
+                <a16:creationId xmlns:a16="http://schemas.microsoft.com/office/drawing/2014/main" id="{5E3EE4EA-C599-48AC-B88A-82620F881DFC}"/>
+              </a:ext>
+            </a:extLst>
+          </p:cNvPr>
+          <p:cNvSpPr/>
+          <p:nvPr/>
+        </p:nvSpPr>
+        <p:spPr>
+          <a:xfrm rot="16200000">
+            <a:off x="516916" y="2692786"/>
+            <a:ext cx="1649088" cy="1421628"/>
+          </a:xfrm>
+          <a:prstGeom prst="triangle">
+            <a:avLst/>
+          </a:prstGeom>
+          <a:solidFill>
+            <a:schemeClr val="bg1"/>
+          </a:solidFill>
+          <a:ln>
+            <a:solidFill>
+              <a:schemeClr val="bg1"/>
+            </a:solidFill>
+          </a:ln>
+        </p:spPr>
+        <p:style>
+          <a:lnRef idx="2">
+            <a:schemeClr val="dk1">
+              <a:shade val="50000"/>
+            </a:schemeClr>
+          </a:lnRef>
+          <a:fillRef idx="1">
+            <a:schemeClr val="dk1"/>
+          </a:fillRef>
+          <a:effectRef idx="0">
+            <a:schemeClr val="dk1"/>
+          </a:effectRef>
+          <a:fontRef idx="minor">
+            <a:schemeClr val="lt1"/>
+          </a:fontRef>
+        </p:style>
+        <p:txBody>
+          <a:bodyPr rtlCol="0" anchor="ctr"/>
+          <a:lstStyle/>
+          <a:p>
+            <a:pPr algn="ctr"/>
+            <a:endParaRPr lang="en-US"/>
           </a:p>
         </p:txBody>
       </p:sp>

--- a/Assets/Etc/Textures.pptx
+++ b/Assets/Etc/Textures.pptx
@@ -265,7 +265,7 @@
           <a:p>
             <a:fld id="{6524AA6A-33AF-41C8-84C7-4073CA180999}" type="datetimeFigureOut">
               <a:rPr lang="en-US" smtClean="0"/>
-              <a:t>10/19/2021</a:t>
+              <a:t>10/24/2021</a:t>
             </a:fld>
             <a:endParaRPr lang="en-US"/>
           </a:p>
@@ -465,7 +465,7 @@
           <a:p>
             <a:fld id="{6524AA6A-33AF-41C8-84C7-4073CA180999}" type="datetimeFigureOut">
               <a:rPr lang="en-US" smtClean="0"/>
-              <a:t>10/19/2021</a:t>
+              <a:t>10/24/2021</a:t>
             </a:fld>
             <a:endParaRPr lang="en-US"/>
           </a:p>
@@ -675,7 +675,7 @@
           <a:p>
             <a:fld id="{6524AA6A-33AF-41C8-84C7-4073CA180999}" type="datetimeFigureOut">
               <a:rPr lang="en-US" smtClean="0"/>
-              <a:t>10/19/2021</a:t>
+              <a:t>10/24/2021</a:t>
             </a:fld>
             <a:endParaRPr lang="en-US"/>
           </a:p>
@@ -875,7 +875,7 @@
           <a:p>
             <a:fld id="{6524AA6A-33AF-41C8-84C7-4073CA180999}" type="datetimeFigureOut">
               <a:rPr lang="en-US" smtClean="0"/>
-              <a:t>10/19/2021</a:t>
+              <a:t>10/24/2021</a:t>
             </a:fld>
             <a:endParaRPr lang="en-US"/>
           </a:p>
@@ -1151,7 +1151,7 @@
           <a:p>
             <a:fld id="{6524AA6A-33AF-41C8-84C7-4073CA180999}" type="datetimeFigureOut">
               <a:rPr lang="en-US" smtClean="0"/>
-              <a:t>10/19/2021</a:t>
+              <a:t>10/24/2021</a:t>
             </a:fld>
             <a:endParaRPr lang="en-US"/>
           </a:p>
@@ -1419,7 +1419,7 @@
           <a:p>
             <a:fld id="{6524AA6A-33AF-41C8-84C7-4073CA180999}" type="datetimeFigureOut">
               <a:rPr lang="en-US" smtClean="0"/>
-              <a:t>10/19/2021</a:t>
+              <a:t>10/24/2021</a:t>
             </a:fld>
             <a:endParaRPr lang="en-US"/>
           </a:p>
@@ -1834,7 +1834,7 @@
           <a:p>
             <a:fld id="{6524AA6A-33AF-41C8-84C7-4073CA180999}" type="datetimeFigureOut">
               <a:rPr lang="en-US" smtClean="0"/>
-              <a:t>10/19/2021</a:t>
+              <a:t>10/24/2021</a:t>
             </a:fld>
             <a:endParaRPr lang="en-US"/>
           </a:p>
@@ -1976,7 +1976,7 @@
           <a:p>
             <a:fld id="{6524AA6A-33AF-41C8-84C7-4073CA180999}" type="datetimeFigureOut">
               <a:rPr lang="en-US" smtClean="0"/>
-              <a:t>10/19/2021</a:t>
+              <a:t>10/24/2021</a:t>
             </a:fld>
             <a:endParaRPr lang="en-US"/>
           </a:p>
@@ -2089,7 +2089,7 @@
           <a:p>
             <a:fld id="{6524AA6A-33AF-41C8-84C7-4073CA180999}" type="datetimeFigureOut">
               <a:rPr lang="en-US" smtClean="0"/>
-              <a:t>10/19/2021</a:t>
+              <a:t>10/24/2021</a:t>
             </a:fld>
             <a:endParaRPr lang="en-US"/>
           </a:p>
@@ -2402,7 +2402,7 @@
           <a:p>
             <a:fld id="{6524AA6A-33AF-41C8-84C7-4073CA180999}" type="datetimeFigureOut">
               <a:rPr lang="en-US" smtClean="0"/>
-              <a:t>10/19/2021</a:t>
+              <a:t>10/24/2021</a:t>
             </a:fld>
             <a:endParaRPr lang="en-US"/>
           </a:p>
@@ -2691,7 +2691,7 @@
           <a:p>
             <a:fld id="{6524AA6A-33AF-41C8-84C7-4073CA180999}" type="datetimeFigureOut">
               <a:rPr lang="en-US" smtClean="0"/>
-              <a:t>10/19/2021</a:t>
+              <a:t>10/24/2021</a:t>
             </a:fld>
             <a:endParaRPr lang="en-US"/>
           </a:p>
@@ -2934,7 +2934,7 @@
           <a:p>
             <a:fld id="{6524AA6A-33AF-41C8-84C7-4073CA180999}" type="datetimeFigureOut">
               <a:rPr lang="en-US" smtClean="0"/>
-              <a:t>10/19/2021</a:t>
+              <a:t>10/24/2021</a:t>
             </a:fld>
             <a:endParaRPr lang="en-US"/>
           </a:p>
@@ -5914,6 +5914,78 @@
           </a:p>
         </p:txBody>
       </p:sp>
+      <p:pic>
+        <p:nvPicPr>
+          <p:cNvPr id="1026" name="Picture 2" descr="Lightning Cartoon">
+            <a:extLst>
+              <a:ext uri="{FF2B5EF4-FFF2-40B4-BE49-F238E27FC236}">
+                <a16:creationId xmlns:a16="http://schemas.microsoft.com/office/drawing/2014/main" id="{06F82187-AF65-4DA3-9544-E6F35A664A33}"/>
+              </a:ext>
+            </a:extLst>
+          </p:cNvPr>
+          <p:cNvPicPr>
+            <a:picLocks noChangeAspect="1" noChangeArrowheads="1"/>
+          </p:cNvPicPr>
+          <p:nvPr/>
+        </p:nvPicPr>
+        <p:blipFill rotWithShape="1">
+          <a:blip r:embed="rId4">
+            <a:extLst>
+              <a:ext uri="{BEBA8EAE-BF5A-486C-A8C5-ECC9F3942E4B}">
+                <a14:imgProps xmlns:a14="http://schemas.microsoft.com/office/drawing/2010/main">
+                  <a14:imgLayer r:embed="rId5">
+                    <a14:imgEffect>
+                      <a14:backgroundRemoval t="0" b="100000" l="0" r="99222">
+                        <a14:foregroundMark x1="55444" y1="7500" x2="55444" y2="7500"/>
+                        <a14:foregroundMark x1="47667" y1="14231" x2="47667" y2="14231"/>
+                        <a14:foregroundMark x1="49222" y1="12115" x2="44444" y2="26923"/>
+                        <a14:foregroundMark x1="44444" y1="26538" x2="38556" y2="46538"/>
+                        <a14:foregroundMark x1="35778" y1="94615" x2="35778" y2="94615"/>
+                        <a14:foregroundMark x1="46889" y1="57692" x2="59111" y2="8462"/>
+                        <a14:foregroundMark x1="53778" y1="9038" x2="49778" y2="30962"/>
+                        <a14:foregroundMark x1="45222" y1="40769" x2="52111" y2="56923"/>
+                        <a14:foregroundMark x1="54333" y1="59231" x2="54667" y2="54615"/>
+                        <a14:foregroundMark x1="63778" y1="37308" x2="35778" y2="94615"/>
+                        <a14:foregroundMark x1="51778" y1="1538" x2="51778" y2="1538"/>
+                        <a14:foregroundMark x1="63111" y1="5577" x2="57444" y2="20769"/>
+                        <a14:foregroundMark x1="46000" y1="12115" x2="35778" y2="47500"/>
+                        <a14:foregroundMark x1="35222" y1="51346" x2="45556" y2="51346"/>
+                        <a14:foregroundMark x1="45222" y1="53846" x2="37333" y2="84423"/>
+                        <a14:foregroundMark x1="64444" y1="36923" x2="54667" y2="35192"/>
+                        <a14:foregroundMark x1="63222" y1="3269" x2="49556" y2="1538"/>
+                      </a14:backgroundRemoval>
+                    </a14:imgEffect>
+                  </a14:imgLayer>
+                </a14:imgProps>
+              </a:ext>
+              <a:ext uri="{28A0092B-C50C-407E-A947-70E740481C1C}">
+                <a14:useLocalDpi xmlns:a14="http://schemas.microsoft.com/office/drawing/2010/main" val="0"/>
+              </a:ext>
+            </a:extLst>
+          </a:blip>
+          <a:srcRect l="28753" r="29824"/>
+          <a:stretch/>
+        </p:blipFill>
+        <p:spPr bwMode="auto">
+          <a:xfrm>
+            <a:off x="9654028" y="452160"/>
+            <a:ext cx="1673542" cy="2334329"/>
+          </a:xfrm>
+          <a:prstGeom prst="rect">
+            <a:avLst/>
+          </a:prstGeom>
+          <a:noFill/>
+          <a:extLst>
+            <a:ext uri="{909E8E84-426E-40DD-AFC4-6F175D3DCCD1}">
+              <a14:hiddenFill xmlns:a14="http://schemas.microsoft.com/office/drawing/2010/main">
+                <a:solidFill>
+                  <a:srgbClr val="FFFFFF"/>
+                </a:solidFill>
+              </a14:hiddenFill>
+            </a:ext>
+          </a:extLst>
+        </p:spPr>
+      </p:pic>
     </p:spTree>
     <p:extLst>
       <p:ext uri="{BB962C8B-B14F-4D97-AF65-F5344CB8AC3E}">
